--- a/DemoPresention/Angular Services.pptx
+++ b/DemoPresention/Angular Services.pptx
@@ -6,18 +6,20 @@
   </p:sldMasterIdLst>
   <p:sldIdLst>
     <p:sldId id="256" r:id="rId2"/>
-    <p:sldId id="268" r:id="rId3"/>
-    <p:sldId id="259" r:id="rId4"/>
-    <p:sldId id="257" r:id="rId5"/>
-    <p:sldId id="258" r:id="rId6"/>
-    <p:sldId id="260" r:id="rId7"/>
-    <p:sldId id="261" r:id="rId8"/>
-    <p:sldId id="262" r:id="rId9"/>
-    <p:sldId id="263" r:id="rId10"/>
-    <p:sldId id="264" r:id="rId11"/>
-    <p:sldId id="265" r:id="rId12"/>
-    <p:sldId id="266" r:id="rId13"/>
-    <p:sldId id="267" r:id="rId14"/>
+    <p:sldId id="269" r:id="rId3"/>
+    <p:sldId id="270" r:id="rId4"/>
+    <p:sldId id="259" r:id="rId5"/>
+    <p:sldId id="271" r:id="rId6"/>
+    <p:sldId id="257" r:id="rId7"/>
+    <p:sldId id="258" r:id="rId8"/>
+    <p:sldId id="260" r:id="rId9"/>
+    <p:sldId id="261" r:id="rId10"/>
+    <p:sldId id="262" r:id="rId11"/>
+    <p:sldId id="263" r:id="rId12"/>
+    <p:sldId id="264" r:id="rId13"/>
+    <p:sldId id="265" r:id="rId14"/>
+    <p:sldId id="266" r:id="rId15"/>
+    <p:sldId id="267" r:id="rId16"/>
   </p:sldIdLst>
   <p:sldSz cx="12192000" cy="6858000"/>
   <p:notesSz cx="6858000" cy="9144000"/>
@@ -398,7 +400,7 @@
           <a:p>
             <a:fld id="{55E329B7-75AC-4087-B3AF-8A9C27083C97}" type="datetimeFigureOut">
               <a:rPr lang="en-US" smtClean="0"/>
-              <a:t>4/26/2020</a:t>
+              <a:t>2/5/2021</a:t>
             </a:fld>
             <a:endParaRPr lang="en-US"/>
           </a:p>
@@ -812,7 +814,7 @@
           <a:p>
             <a:fld id="{55E329B7-75AC-4087-B3AF-8A9C27083C97}" type="datetimeFigureOut">
               <a:rPr lang="en-US" smtClean="0"/>
-              <a:t>4/26/2020</a:t>
+              <a:t>2/5/2021</a:t>
             </a:fld>
             <a:endParaRPr lang="en-US"/>
           </a:p>
@@ -1148,7 +1150,7 @@
           <a:p>
             <a:fld id="{55E329B7-75AC-4087-B3AF-8A9C27083C97}" type="datetimeFigureOut">
               <a:rPr lang="en-US" smtClean="0"/>
-              <a:t>4/26/2020</a:t>
+              <a:t>2/5/2021</a:t>
             </a:fld>
             <a:endParaRPr lang="en-US"/>
           </a:p>
@@ -1553,7 +1555,7 @@
           <a:p>
             <a:fld id="{55E329B7-75AC-4087-B3AF-8A9C27083C97}" type="datetimeFigureOut">
               <a:rPr lang="en-US" smtClean="0"/>
-              <a:t>4/26/2020</a:t>
+              <a:t>2/5/2021</a:t>
             </a:fld>
             <a:endParaRPr lang="en-US"/>
           </a:p>
@@ -2121,7 +2123,7 @@
           <a:p>
             <a:fld id="{55E329B7-75AC-4087-B3AF-8A9C27083C97}" type="datetimeFigureOut">
               <a:rPr lang="en-US" smtClean="0"/>
-              <a:t>4/26/2020</a:t>
+              <a:t>2/5/2021</a:t>
             </a:fld>
             <a:endParaRPr lang="en-US"/>
           </a:p>
@@ -2802,7 +2804,7 @@
           <a:p>
             <a:fld id="{55E329B7-75AC-4087-B3AF-8A9C27083C97}" type="datetimeFigureOut">
               <a:rPr lang="en-US" smtClean="0"/>
-              <a:t>4/26/2020</a:t>
+              <a:t>2/5/2021</a:t>
             </a:fld>
             <a:endParaRPr lang="en-US"/>
           </a:p>
@@ -3715,7 +3717,7 @@
           <a:p>
             <a:fld id="{55E329B7-75AC-4087-B3AF-8A9C27083C97}" type="datetimeFigureOut">
               <a:rPr lang="en-US" smtClean="0"/>
-              <a:t>4/26/2020</a:t>
+              <a:t>2/5/2021</a:t>
             </a:fld>
             <a:endParaRPr lang="en-US"/>
           </a:p>
@@ -4028,7 +4030,7 @@
           <a:p>
             <a:fld id="{55E329B7-75AC-4087-B3AF-8A9C27083C97}" type="datetimeFigureOut">
               <a:rPr lang="en-US" smtClean="0"/>
-              <a:t>4/26/2020</a:t>
+              <a:t>2/5/2021</a:t>
             </a:fld>
             <a:endParaRPr lang="en-US"/>
           </a:p>
@@ -4292,7 +4294,7 @@
           <a:p>
             <a:fld id="{55E329B7-75AC-4087-B3AF-8A9C27083C97}" type="datetimeFigureOut">
               <a:rPr lang="en-US" smtClean="0"/>
-              <a:t>4/26/2020</a:t>
+              <a:t>2/5/2021</a:t>
             </a:fld>
             <a:endParaRPr lang="en-US"/>
           </a:p>
@@ -4615,7 +4617,7 @@
           <a:p>
             <a:fld id="{55E329B7-75AC-4087-B3AF-8A9C27083C97}" type="datetimeFigureOut">
               <a:rPr lang="en-US" smtClean="0"/>
-              <a:t>4/26/2020</a:t>
+              <a:t>2/5/2021</a:t>
             </a:fld>
             <a:endParaRPr lang="en-US"/>
           </a:p>
@@ -5004,7 +5006,7 @@
           <a:p>
             <a:fld id="{55E329B7-75AC-4087-B3AF-8A9C27083C97}" type="datetimeFigureOut">
               <a:rPr lang="en-US" smtClean="0"/>
-              <a:t>4/26/2020</a:t>
+              <a:t>2/5/2021</a:t>
             </a:fld>
             <a:endParaRPr lang="en-US"/>
           </a:p>
@@ -5380,7 +5382,7 @@
           <a:p>
             <a:fld id="{55E329B7-75AC-4087-B3AF-8A9C27083C97}" type="datetimeFigureOut">
               <a:rPr lang="en-US" smtClean="0"/>
-              <a:t>4/26/2020</a:t>
+              <a:t>2/5/2021</a:t>
             </a:fld>
             <a:endParaRPr lang="en-US"/>
           </a:p>
@@ -5886,7 +5888,7 @@
           <a:p>
             <a:fld id="{55E329B7-75AC-4087-B3AF-8A9C27083C97}" type="datetimeFigureOut">
               <a:rPr lang="en-US" smtClean="0"/>
-              <a:t>4/26/2020</a:t>
+              <a:t>2/5/2021</a:t>
             </a:fld>
             <a:endParaRPr lang="en-US"/>
           </a:p>
@@ -6143,7 +6145,7 @@
           <a:p>
             <a:fld id="{55E329B7-75AC-4087-B3AF-8A9C27083C97}" type="datetimeFigureOut">
               <a:rPr lang="en-US" smtClean="0"/>
-              <a:t>4/26/2020</a:t>
+              <a:t>2/5/2021</a:t>
             </a:fld>
             <a:endParaRPr lang="en-US"/>
           </a:p>
@@ -6306,7 +6308,7 @@
           <a:p>
             <a:fld id="{55E329B7-75AC-4087-B3AF-8A9C27083C97}" type="datetimeFigureOut">
               <a:rPr lang="en-US" smtClean="0"/>
-              <a:t>4/26/2020</a:t>
+              <a:t>2/5/2021</a:t>
             </a:fld>
             <a:endParaRPr lang="en-US"/>
           </a:p>
@@ -6696,7 +6698,7 @@
           <a:p>
             <a:fld id="{55E329B7-75AC-4087-B3AF-8A9C27083C97}" type="datetimeFigureOut">
               <a:rPr lang="en-US" smtClean="0"/>
-              <a:t>4/26/2020</a:t>
+              <a:t>2/5/2021</a:t>
             </a:fld>
             <a:endParaRPr lang="en-US"/>
           </a:p>
@@ -7105,7 +7107,7 @@
           <a:p>
             <a:fld id="{55E329B7-75AC-4087-B3AF-8A9C27083C97}" type="datetimeFigureOut">
               <a:rPr lang="en-US" smtClean="0"/>
-              <a:t>4/26/2020</a:t>
+              <a:t>2/5/2021</a:t>
             </a:fld>
             <a:endParaRPr lang="en-US"/>
           </a:p>
@@ -7349,7 +7351,7 @@
           <a:p>
             <a:fld id="{55E329B7-75AC-4087-B3AF-8A9C27083C97}" type="datetimeFigureOut">
               <a:rPr lang="en-US" smtClean="0"/>
-              <a:t>4/26/2020</a:t>
+              <a:t>2/5/2021</a:t>
             </a:fld>
             <a:endParaRPr lang="en-US"/>
           </a:p>
@@ -7851,7 +7853,7 @@
           <p:cNvPr id="2" name="Title 1">
             <a:extLst>
               <a:ext uri="{FF2B5EF4-FFF2-40B4-BE49-F238E27FC236}">
-                <a16:creationId xmlns:a16="http://schemas.microsoft.com/office/drawing/2014/main" id="{15AC5AF5-B7CC-41A4-9FFE-062E5F5D798B}"/>
+                <a16:creationId xmlns:a16="http://schemas.microsoft.com/office/drawing/2014/main" id="{F751196A-8E31-494D-85A9-716F5A30ED91}"/>
               </a:ext>
             </a:extLst>
           </p:cNvPr>
@@ -7870,7 +7872,7 @@
             <a:pPr algn="ctr"/>
             <a:r>
               <a:rPr lang="en-US" dirty="0"/>
-              <a:t>Observable</a:t>
+              <a:t>Data Folder</a:t>
             </a:r>
           </a:p>
         </p:txBody>
@@ -7880,7 +7882,7 @@
           <p:cNvPr id="3" name="Content Placeholder 2">
             <a:extLst>
               <a:ext uri="{FF2B5EF4-FFF2-40B4-BE49-F238E27FC236}">
-                <a16:creationId xmlns:a16="http://schemas.microsoft.com/office/drawing/2014/main" id="{5639D02F-69B5-4E29-AE1E-A14EE054F773}"/>
+                <a16:creationId xmlns:a16="http://schemas.microsoft.com/office/drawing/2014/main" id="{2E7F25AD-BB91-4FC0-A387-8A0A6DD78F15}"/>
               </a:ext>
             </a:extLst>
           </p:cNvPr>
@@ -7893,13 +7895,13 @@
         </p:nvSpPr>
         <p:spPr>
           <a:xfrm>
-            <a:off x="680322" y="2336872"/>
-            <a:ext cx="10842894" cy="3767899"/>
+            <a:off x="221943" y="2104008"/>
+            <a:ext cx="11727402" cy="4753992"/>
           </a:xfrm>
         </p:spPr>
         <p:txBody>
           <a:bodyPr>
-            <a:normAutofit fontScale="85000" lnSpcReduction="20000"/>
+            <a:normAutofit fontScale="92500" lnSpcReduction="20000"/>
           </a:bodyPr>
           <a:lstStyle/>
           <a:p>
@@ -7909,21 +7911,34 @@
                   <a:schemeClr val="bg1"/>
                 </a:solidFill>
               </a:rPr>
-              <a:t>If you hover over the get() method it returns an observable so we need to be cased to match an array of students format in order for it to work</a:t>
-            </a:r>
-          </a:p>
-          <a:p>
-            <a:pPr lvl="1"/>
+              <a:t>Under </a:t>
+            </a:r>
+            <a:r>
+              <a:rPr lang="en-US" b="1" i="1" dirty="0">
+                <a:solidFill>
+                  <a:schemeClr val="bg1"/>
+                </a:solidFill>
+              </a:rPr>
+              <a:t>assets</a:t>
+            </a:r>
+            <a:r>
+              <a:rPr lang="en-US" b="1" dirty="0">
+                <a:solidFill>
+                  <a:schemeClr val="bg1"/>
+                </a:solidFill>
+              </a:rPr>
+              <a:t> </a:t>
+            </a:r>
             <a:r>
               <a:rPr lang="en-US" dirty="0">
                 <a:solidFill>
                   <a:schemeClr val="bg1"/>
                 </a:solidFill>
               </a:rPr>
-              <a:t>Create an interface named </a:t>
-            </a:r>
-            <a:r>
-              <a:rPr lang="en-US" dirty="0" err="1">
+              <a:t>make a </a:t>
+            </a:r>
+            <a:r>
+              <a:rPr lang="en-US" b="1" dirty="0">
                 <a:solidFill>
                   <a:srgbClr val="FFFF00"/>
                 </a:solidFill>
@@ -7931,27 +7946,193 @@
                   <a:srgbClr val="000080"/>
                 </a:highlight>
               </a:rPr>
-              <a:t>student.ts</a:t>
+              <a:t>data</a:t>
             </a:r>
             <a:r>
               <a:rPr lang="en-US" dirty="0">
                 <a:solidFill>
+                  <a:schemeClr val="bg1"/>
+                </a:solidFill>
+              </a:rPr>
+              <a:t> folder and make a json file named </a:t>
+            </a:r>
+            <a:r>
+              <a:rPr lang="en-US" b="1" i="1" dirty="0" err="1">
+                <a:solidFill>
                   <a:srgbClr val="FFFF00"/>
                 </a:solidFill>
-              </a:rPr>
-              <a:t> </a:t>
-            </a:r>
+                <a:highlight>
+                  <a:srgbClr val="000080"/>
+                </a:highlight>
+              </a:rPr>
+              <a:t>students.json</a:t>
+            </a:r>
+            <a:endParaRPr lang="en-US" b="1" i="1" dirty="0">
+              <a:solidFill>
+                <a:srgbClr val="FFFF00"/>
+              </a:solidFill>
+              <a:highlight>
+                <a:srgbClr val="000080"/>
+              </a:highlight>
+            </a:endParaRPr>
+          </a:p>
+          <a:p>
             <a:r>
               <a:rPr lang="en-US" dirty="0">
                 <a:solidFill>
                   <a:schemeClr val="bg1"/>
                 </a:solidFill>
               </a:rPr>
-              <a:t>and add the code below</a:t>
-            </a:r>
-          </a:p>
-          <a:p>
-            <a:pPr marL="457200" lvl="1" indent="0">
+              <a:t>After that copy and paste the data below and delete the </a:t>
+            </a:r>
+            <a:br>
+              <a:rPr lang="en-US" dirty="0">
+                <a:solidFill>
+                  <a:schemeClr val="bg1"/>
+                </a:solidFill>
+              </a:rPr>
+            </a:br>
+            <a:r>
+              <a:rPr lang="en-US" dirty="0">
+                <a:solidFill>
+                  <a:schemeClr val="bg1"/>
+                </a:solidFill>
+              </a:rPr>
+              <a:t>ones from student-list &amp; student-details</a:t>
+            </a:r>
+          </a:p>
+          <a:p>
+            <a:pPr marL="0" indent="0">
+              <a:buNone/>
+            </a:pPr>
+            <a:r>
+              <a:rPr lang="en-US" dirty="0">
+                <a:solidFill>
+                  <a:schemeClr val="bg1"/>
+                </a:solidFill>
+              </a:rPr>
+              <a:t>[</a:t>
+            </a:r>
+          </a:p>
+          <a:p>
+            <a:pPr marL="0" indent="0">
+              <a:buNone/>
+            </a:pPr>
+            <a:r>
+              <a:rPr lang="en-US" dirty="0">
+                <a:solidFill>
+                  <a:schemeClr val="bg1"/>
+                </a:solidFill>
+              </a:rPr>
+              <a:t>  {"id": 1, "name": "Chris", "age": 21},</a:t>
+            </a:r>
+          </a:p>
+          <a:p>
+            <a:pPr marL="0" indent="0">
+              <a:buNone/>
+            </a:pPr>
+            <a:r>
+              <a:rPr lang="en-US" dirty="0">
+                <a:solidFill>
+                  <a:schemeClr val="bg1"/>
+                </a:solidFill>
+              </a:rPr>
+              <a:t>  {"id": 2, "name": "Denzel", "age": 21},</a:t>
+            </a:r>
+          </a:p>
+          <a:p>
+            <a:pPr marL="0" indent="0">
+              <a:buNone/>
+            </a:pPr>
+            <a:r>
+              <a:rPr lang="en-US" dirty="0">
+                <a:solidFill>
+                  <a:schemeClr val="bg1"/>
+                </a:solidFill>
+              </a:rPr>
+              <a:t>  {"id": 3, "name": "David", "age": 21},</a:t>
+            </a:r>
+          </a:p>
+          <a:p>
+            <a:pPr marL="0" indent="0">
+              <a:buNone/>
+            </a:pPr>
+            <a:r>
+              <a:rPr lang="en-US" dirty="0">
+                <a:solidFill>
+                  <a:schemeClr val="bg1"/>
+                </a:solidFill>
+              </a:rPr>
+              <a:t>  {"id": 4, "name": "Danielle", "age": 21},</a:t>
+            </a:r>
+          </a:p>
+          <a:p>
+            <a:pPr marL="0" indent="0">
+              <a:buNone/>
+            </a:pPr>
+            <a:r>
+              <a:rPr lang="en-US" dirty="0">
+                <a:solidFill>
+                  <a:schemeClr val="bg1"/>
+                </a:solidFill>
+              </a:rPr>
+              <a:t>  {"id": 5, "name": "Josh", "age": 21},</a:t>
+            </a:r>
+          </a:p>
+          <a:p>
+            <a:pPr marL="0" indent="0">
+              <a:buNone/>
+            </a:pPr>
+            <a:r>
+              <a:rPr lang="en-US" dirty="0">
+                <a:solidFill>
+                  <a:schemeClr val="bg1"/>
+                </a:solidFill>
+              </a:rPr>
+              <a:t>  {"id": 6, "name": "Anne", "age": 21},</a:t>
+            </a:r>
+          </a:p>
+          <a:p>
+            <a:pPr marL="0" indent="0">
+              <a:buNone/>
+            </a:pPr>
+            <a:r>
+              <a:rPr lang="en-US" dirty="0">
+                <a:solidFill>
+                  <a:schemeClr val="bg1"/>
+                </a:solidFill>
+              </a:rPr>
+              <a:t>  {"id": 7, "name": "Anca", "age": 21},</a:t>
+            </a:r>
+          </a:p>
+          <a:p>
+            <a:pPr marL="0" indent="0">
+              <a:buNone/>
+            </a:pPr>
+            <a:r>
+              <a:rPr lang="en-US" dirty="0">
+                <a:solidFill>
+                  <a:schemeClr val="bg1"/>
+                </a:solidFill>
+              </a:rPr>
+              <a:t>  {"id": 8, "name": "John", "age": 21}</a:t>
+            </a:r>
+          </a:p>
+          <a:p>
+            <a:pPr marL="0" indent="0">
+              <a:buNone/>
+            </a:pPr>
+            <a:r>
+              <a:rPr lang="en-US" dirty="0">
+                <a:solidFill>
+                  <a:schemeClr val="bg1"/>
+                </a:solidFill>
+              </a:rPr>
+              <a:t>]</a:t>
+            </a:r>
+          </a:p>
+          <a:p>
+            <a:pPr marL="0" indent="0">
               <a:buNone/>
             </a:pPr>
             <a:endParaRPr lang="en-US" dirty="0">
@@ -7960,205 +8141,14 @@
               </a:solidFill>
             </a:endParaRPr>
           </a:p>
-          <a:p>
-            <a:pPr marL="0" indent="0">
-              <a:buNone/>
-            </a:pPr>
-            <a:r>
-              <a:rPr lang="en-US" dirty="0"/>
-              <a:t>export interface </a:t>
-            </a:r>
-            <a:r>
-              <a:rPr lang="en-US" dirty="0" err="1"/>
-              <a:t>StuInterface</a:t>
-            </a:r>
-            <a:r>
-              <a:rPr lang="en-US" dirty="0"/>
-              <a:t> {</a:t>
-            </a:r>
-          </a:p>
-          <a:p>
-            <a:pPr marL="0" indent="0">
-              <a:buNone/>
-            </a:pPr>
-            <a:r>
-              <a:rPr lang="en-US" dirty="0"/>
-              <a:t>    id: number;</a:t>
-            </a:r>
-          </a:p>
-          <a:p>
-            <a:pPr marL="0" indent="0">
-              <a:buNone/>
-            </a:pPr>
-            <a:r>
-              <a:rPr lang="en-US" dirty="0"/>
-              <a:t>    name: string;</a:t>
-            </a:r>
-          </a:p>
-          <a:p>
-            <a:pPr marL="0" indent="0">
-              <a:buNone/>
-            </a:pPr>
-            <a:r>
-              <a:rPr lang="en-US" dirty="0"/>
-              <a:t>    age: number;</a:t>
-            </a:r>
-          </a:p>
-          <a:p>
-            <a:pPr marL="0" indent="0">
-              <a:buNone/>
-            </a:pPr>
-            <a:r>
-              <a:rPr lang="en-US" dirty="0"/>
-              <a:t>}</a:t>
-            </a:r>
-          </a:p>
-          <a:p>
-            <a:r>
-              <a:rPr lang="en-US" dirty="0"/>
-              <a:t>Going back to the </a:t>
-            </a:r>
-            <a:r>
-              <a:rPr lang="en-US" dirty="0" err="1">
-                <a:solidFill>
-                  <a:srgbClr val="FFFF00"/>
-                </a:solidFill>
-                <a:highlight>
-                  <a:srgbClr val="000080"/>
-                </a:highlight>
-              </a:rPr>
-              <a:t>student.service.ts</a:t>
-            </a:r>
-            <a:r>
-              <a:rPr lang="en-US" dirty="0">
-                <a:solidFill>
-                  <a:srgbClr val="FFFF00"/>
-                </a:solidFill>
-                <a:highlight>
-                  <a:srgbClr val="000080"/>
-                </a:highlight>
-              </a:rPr>
-              <a:t> </a:t>
-            </a:r>
-            <a:r>
-              <a:rPr lang="en-US" dirty="0"/>
-              <a:t>add the </a:t>
-            </a:r>
-            <a:r>
-              <a:rPr lang="en-US" dirty="0" err="1">
-                <a:solidFill>
-                  <a:srgbClr val="FFFF00"/>
-                </a:solidFill>
-                <a:highlight>
-                  <a:srgbClr val="000080"/>
-                </a:highlight>
-              </a:rPr>
-              <a:t>StuInterface</a:t>
-            </a:r>
-            <a:r>
-              <a:rPr lang="en-US" dirty="0">
-                <a:solidFill>
-                  <a:srgbClr val="FFFF00"/>
-                </a:solidFill>
-                <a:highlight>
-                  <a:srgbClr val="000080"/>
-                </a:highlight>
-              </a:rPr>
-              <a:t>[]</a:t>
-            </a:r>
-            <a:r>
-              <a:rPr lang="en-US" dirty="0"/>
-              <a:t> </a:t>
-            </a:r>
-            <a:br>
-              <a:rPr lang="en-US" dirty="0"/>
-            </a:br>
-            <a:r>
-              <a:rPr lang="en-US" dirty="0"/>
-              <a:t>to the get and the </a:t>
-            </a:r>
-            <a:r>
-              <a:rPr lang="en-US" dirty="0" err="1">
-                <a:solidFill>
-                  <a:srgbClr val="FFFF00"/>
-                </a:solidFill>
-                <a:highlight>
-                  <a:srgbClr val="000080"/>
-                </a:highlight>
-              </a:rPr>
-              <a:t>getStudents</a:t>
-            </a:r>
-            <a:r>
-              <a:rPr lang="en-US" dirty="0">
-                <a:solidFill>
-                  <a:srgbClr val="FFFF00"/>
-                </a:solidFill>
-                <a:highlight>
-                  <a:srgbClr val="000080"/>
-                </a:highlight>
-              </a:rPr>
-              <a:t>()</a:t>
-            </a:r>
-            <a:r>
-              <a:rPr lang="en-US" dirty="0"/>
-              <a:t> will return an observable</a:t>
-            </a:r>
-            <a:br>
-              <a:rPr lang="en-US" dirty="0"/>
-            </a:br>
-            <a:r>
-              <a:rPr lang="en-US" dirty="0"/>
-              <a:t>of </a:t>
-            </a:r>
-            <a:r>
-              <a:rPr lang="en-US" dirty="0" err="1">
-                <a:solidFill>
-                  <a:srgbClr val="FFFF00"/>
-                </a:solidFill>
-                <a:highlight>
-                  <a:srgbClr val="000080"/>
-                </a:highlight>
-              </a:rPr>
-              <a:t>StuInterface</a:t>
-            </a:r>
-            <a:r>
-              <a:rPr lang="en-US" dirty="0">
-                <a:solidFill>
-                  <a:srgbClr val="FFFF00"/>
-                </a:solidFill>
-                <a:highlight>
-                  <a:srgbClr val="000080"/>
-                </a:highlight>
-              </a:rPr>
-              <a:t>[]</a:t>
-            </a:r>
-            <a:r>
-              <a:rPr lang="en-US" dirty="0">
-                <a:solidFill>
-                  <a:srgbClr val="FFFF00"/>
-                </a:solidFill>
-              </a:rPr>
-              <a:t> .</a:t>
-            </a:r>
-          </a:p>
-          <a:p>
-            <a:pPr marL="457200" lvl="1" indent="0">
-              <a:buNone/>
-            </a:pPr>
-            <a:endParaRPr lang="en-US" dirty="0">
-              <a:solidFill>
-                <a:schemeClr val="bg1"/>
-              </a:solidFill>
-            </a:endParaRPr>
-          </a:p>
         </p:txBody>
       </p:sp>
       <p:pic>
         <p:nvPicPr>
-          <p:cNvPr id="7" name="Picture 6">
+          <p:cNvPr id="5" name="Picture 4">
             <a:extLst>
               <a:ext uri="{FF2B5EF4-FFF2-40B4-BE49-F238E27FC236}">
-                <a16:creationId xmlns:a16="http://schemas.microsoft.com/office/drawing/2014/main" id="{3E222DB8-C227-4608-BA6D-030C27C9F74F}"/>
+                <a16:creationId xmlns:a16="http://schemas.microsoft.com/office/drawing/2014/main" id="{31A942C9-6B71-43E4-9E7C-21CC6E9E5DE6}"/>
               </a:ext>
             </a:extLst>
           </p:cNvPr>
@@ -8175,116 +8165,18 @@
         </p:blipFill>
         <p:spPr>
           <a:xfrm>
-            <a:off x="7804398" y="3305176"/>
-            <a:ext cx="4387602" cy="3552824"/>
+            <a:off x="7985972" y="2986644"/>
+            <a:ext cx="3319463" cy="3283577"/>
           </a:xfrm>
           <a:prstGeom prst="rect">
             <a:avLst/>
           </a:prstGeom>
         </p:spPr>
       </p:pic>
-      <p:sp>
-        <p:nvSpPr>
-          <p:cNvPr id="9" name="Arrow: Right 8">
-            <a:extLst>
-              <a:ext uri="{FF2B5EF4-FFF2-40B4-BE49-F238E27FC236}">
-                <a16:creationId xmlns:a16="http://schemas.microsoft.com/office/drawing/2014/main" id="{F878A54A-C636-408D-9E6F-C9F292563333}"/>
-              </a:ext>
-            </a:extLst>
-          </p:cNvPr>
-          <p:cNvSpPr/>
-          <p:nvPr/>
-        </p:nvSpPr>
-        <p:spPr>
-          <a:xfrm rot="18568370">
-            <a:off x="9827784" y="6216013"/>
-            <a:ext cx="666750" cy="369718"/>
-          </a:xfrm>
-          <a:prstGeom prst="rightArrow">
-            <a:avLst>
-              <a:gd name="adj1" fmla="val 35593"/>
-              <a:gd name="adj2" fmla="val 50000"/>
-            </a:avLst>
-          </a:prstGeom>
-        </p:spPr>
-        <p:style>
-          <a:lnRef idx="2">
-            <a:schemeClr val="accent1">
-              <a:shade val="50000"/>
-            </a:schemeClr>
-          </a:lnRef>
-          <a:fillRef idx="1">
-            <a:schemeClr val="accent1"/>
-          </a:fillRef>
-          <a:effectRef idx="0">
-            <a:schemeClr val="accent1"/>
-          </a:effectRef>
-          <a:fontRef idx="minor">
-            <a:schemeClr val="lt1"/>
-          </a:fontRef>
-        </p:style>
-        <p:txBody>
-          <a:bodyPr rtlCol="0" anchor="ctr"/>
-          <a:lstStyle/>
-          <a:p>
-            <a:pPr algn="ctr"/>
-            <a:endParaRPr lang="en-US"/>
-          </a:p>
-        </p:txBody>
-      </p:sp>
-      <p:sp>
-        <p:nvSpPr>
-          <p:cNvPr id="10" name="Arrow: Right 9">
-            <a:extLst>
-              <a:ext uri="{FF2B5EF4-FFF2-40B4-BE49-F238E27FC236}">
-                <a16:creationId xmlns:a16="http://schemas.microsoft.com/office/drawing/2014/main" id="{AE1F1F86-7665-4895-B55E-FA10B4DD0A6C}"/>
-              </a:ext>
-            </a:extLst>
-          </p:cNvPr>
-          <p:cNvSpPr/>
-          <p:nvPr/>
-        </p:nvSpPr>
-        <p:spPr>
-          <a:xfrm rot="2642523">
-            <a:off x="8676379" y="5354376"/>
-            <a:ext cx="666750" cy="369718"/>
-          </a:xfrm>
-          <a:prstGeom prst="rightArrow">
-            <a:avLst>
-              <a:gd name="adj1" fmla="val 35593"/>
-              <a:gd name="adj2" fmla="val 50000"/>
-            </a:avLst>
-          </a:prstGeom>
-        </p:spPr>
-        <p:style>
-          <a:lnRef idx="2">
-            <a:schemeClr val="accent1">
-              <a:shade val="50000"/>
-            </a:schemeClr>
-          </a:lnRef>
-          <a:fillRef idx="1">
-            <a:schemeClr val="accent1"/>
-          </a:fillRef>
-          <a:effectRef idx="0">
-            <a:schemeClr val="accent1"/>
-          </a:effectRef>
-          <a:fontRef idx="minor">
-            <a:schemeClr val="lt1"/>
-          </a:fontRef>
-        </p:style>
-        <p:txBody>
-          <a:bodyPr rtlCol="0" anchor="ctr"/>
-          <a:lstStyle/>
-          <a:p>
-            <a:pPr algn="ctr"/>
-            <a:endParaRPr lang="en-US"/>
-          </a:p>
-        </p:txBody>
-      </p:sp>
     </p:spTree>
     <p:extLst>
       <p:ext uri="{BB962C8B-B14F-4D97-AF65-F5344CB8AC3E}">
-        <p14:creationId xmlns:p14="http://schemas.microsoft.com/office/powerpoint/2010/main" val="1598742361"/>
+        <p14:creationId xmlns:p14="http://schemas.microsoft.com/office/powerpoint/2010/main" val="3620321045"/>
       </p:ext>
     </p:extLst>
   </p:cSld>
@@ -8295,601 +8187,6 @@
 </file>
 
 <file path=ppt/slides/slide11.xml><?xml version="1.0" encoding="utf-8"?>
-<p:sld xmlns:a="http://schemas.openxmlformats.org/drawingml/2006/main" xmlns:r="http://schemas.openxmlformats.org/officeDocument/2006/relationships" xmlns:p="http://schemas.openxmlformats.org/presentationml/2006/main">
-  <p:cSld>
-    <p:spTree>
-      <p:nvGrpSpPr>
-        <p:cNvPr id="1" name=""/>
-        <p:cNvGrpSpPr/>
-        <p:nvPr/>
-      </p:nvGrpSpPr>
-      <p:grpSpPr>
-        <a:xfrm>
-          <a:off x="0" y="0"/>
-          <a:ext cx="0" cy="0"/>
-          <a:chOff x="0" y="0"/>
-          <a:chExt cx="0" cy="0"/>
-        </a:xfrm>
-      </p:grpSpPr>
-      <p:sp>
-        <p:nvSpPr>
-          <p:cNvPr id="2" name="Title 1">
-            <a:extLst>
-              <a:ext uri="{FF2B5EF4-FFF2-40B4-BE49-F238E27FC236}">
-                <a16:creationId xmlns:a16="http://schemas.microsoft.com/office/drawing/2014/main" id="{30FA3FCF-43F8-483B-9E98-7616017B7B2B}"/>
-              </a:ext>
-            </a:extLst>
-          </p:cNvPr>
-          <p:cNvSpPr>
-            <a:spLocks noGrp="1"/>
-          </p:cNvSpPr>
-          <p:nvPr>
-            <p:ph type="title"/>
-          </p:nvPr>
-        </p:nvSpPr>
-        <p:spPr/>
-        <p:txBody>
-          <a:bodyPr/>
-          <a:lstStyle/>
-          <a:p>
-            <a:pPr algn="ctr"/>
-            <a:r>
-              <a:rPr lang="en-US" dirty="0"/>
-              <a:t>Subscribe</a:t>
-            </a:r>
-          </a:p>
-        </p:txBody>
-      </p:sp>
-      <p:sp>
-        <p:nvSpPr>
-          <p:cNvPr id="3" name="Content Placeholder 2">
-            <a:extLst>
-              <a:ext uri="{FF2B5EF4-FFF2-40B4-BE49-F238E27FC236}">
-                <a16:creationId xmlns:a16="http://schemas.microsoft.com/office/drawing/2014/main" id="{DEA6187B-AD7D-414B-915D-626F3F0D82B7}"/>
-              </a:ext>
-            </a:extLst>
-          </p:cNvPr>
-          <p:cNvSpPr>
-            <a:spLocks noGrp="1"/>
-          </p:cNvSpPr>
-          <p:nvPr>
-            <p:ph idx="1"/>
-          </p:nvPr>
-        </p:nvSpPr>
-        <p:spPr/>
-        <p:txBody>
-          <a:bodyPr/>
-          <a:lstStyle/>
-          <a:p>
-            <a:r>
-              <a:rPr lang="en-US" dirty="0">
-                <a:solidFill>
-                  <a:schemeClr val="bg1"/>
-                </a:solidFill>
-              </a:rPr>
-              <a:t>We need to subscribe to the data so that we can retrieve it.</a:t>
-            </a:r>
-          </a:p>
-          <a:p>
-            <a:pPr lvl="1"/>
-            <a:r>
-              <a:rPr lang="en-US" dirty="0">
-                <a:solidFill>
-                  <a:schemeClr val="bg1"/>
-                </a:solidFill>
-              </a:rPr>
-              <a:t>Add </a:t>
-            </a:r>
-            <a:r>
-              <a:rPr lang="en-US" dirty="0">
-                <a:highlight>
-                  <a:srgbClr val="000080"/>
-                </a:highlight>
-              </a:rPr>
-              <a:t>private _</a:t>
-            </a:r>
-            <a:r>
-              <a:rPr lang="en-US" dirty="0" err="1">
-                <a:highlight>
-                  <a:srgbClr val="000080"/>
-                </a:highlight>
-              </a:rPr>
-              <a:t>studentService</a:t>
-            </a:r>
-            <a:r>
-              <a:rPr lang="en-US" dirty="0">
-                <a:highlight>
-                  <a:srgbClr val="000080"/>
-                </a:highlight>
-              </a:rPr>
-              <a:t>: </a:t>
-            </a:r>
-            <a:r>
-              <a:rPr lang="en-US" dirty="0" err="1">
-                <a:highlight>
-                  <a:srgbClr val="000080"/>
-                </a:highlight>
-              </a:rPr>
-              <a:t>StudentsService</a:t>
-            </a:r>
-            <a:r>
-              <a:rPr lang="en-US" dirty="0">
-                <a:highlight>
-                  <a:srgbClr val="000080"/>
-                </a:highlight>
-              </a:rPr>
-              <a:t> </a:t>
-            </a:r>
-            <a:r>
-              <a:rPr lang="en-US" dirty="0">
-                <a:solidFill>
-                  <a:schemeClr val="bg1"/>
-                </a:solidFill>
-              </a:rPr>
-              <a:t>in the constructor parameters</a:t>
-            </a:r>
-          </a:p>
-          <a:p>
-            <a:pPr lvl="1"/>
-            <a:r>
-              <a:rPr lang="en-US" dirty="0">
-                <a:solidFill>
-                  <a:schemeClr val="bg1"/>
-                </a:solidFill>
-              </a:rPr>
-              <a:t>Add</a:t>
-            </a:r>
-            <a:r>
-              <a:rPr lang="en-US" dirty="0"/>
-              <a:t> </a:t>
-            </a:r>
-            <a:r>
-              <a:rPr lang="en-US" dirty="0">
-                <a:highlight>
-                  <a:srgbClr val="000080"/>
-                </a:highlight>
-              </a:rPr>
-              <a:t>this._</a:t>
-            </a:r>
-            <a:r>
-              <a:rPr lang="en-US" dirty="0" err="1">
-                <a:highlight>
-                  <a:srgbClr val="000080"/>
-                </a:highlight>
-              </a:rPr>
-              <a:t>studentService.getStudents</a:t>
-            </a:r>
-            <a:r>
-              <a:rPr lang="en-US" dirty="0">
-                <a:highlight>
-                  <a:srgbClr val="000080"/>
-                </a:highlight>
-              </a:rPr>
-              <a:t>().subscribe(data =&gt; </a:t>
-            </a:r>
-            <a:r>
-              <a:rPr lang="en-US" dirty="0" err="1">
-                <a:highlight>
-                  <a:srgbClr val="000080"/>
-                </a:highlight>
-              </a:rPr>
-              <a:t>this.students</a:t>
-            </a:r>
-            <a:r>
-              <a:rPr lang="en-US" dirty="0">
-                <a:highlight>
-                  <a:srgbClr val="000080"/>
-                </a:highlight>
-              </a:rPr>
-              <a:t> = data);</a:t>
-            </a:r>
-            <a:r>
-              <a:rPr lang="en-US" dirty="0"/>
-              <a:t> </a:t>
-            </a:r>
-            <a:r>
-              <a:rPr lang="en-US" dirty="0">
-                <a:solidFill>
-                  <a:schemeClr val="bg1"/>
-                </a:solidFill>
-              </a:rPr>
-              <a:t>in </a:t>
-            </a:r>
-            <a:r>
-              <a:rPr lang="en-US" dirty="0" err="1">
-                <a:solidFill>
-                  <a:schemeClr val="bg1"/>
-                </a:solidFill>
-              </a:rPr>
-              <a:t>ngOnInit</a:t>
-            </a:r>
-            <a:r>
-              <a:rPr lang="en-US" dirty="0">
-                <a:solidFill>
-                  <a:schemeClr val="bg1"/>
-                </a:solidFill>
-              </a:rPr>
-              <a:t>().</a:t>
-            </a:r>
-          </a:p>
-          <a:p>
-            <a:pPr lvl="1"/>
-            <a:r>
-              <a:rPr lang="en-US" dirty="0">
-                <a:solidFill>
-                  <a:schemeClr val="bg1"/>
-                </a:solidFill>
-              </a:rPr>
-              <a:t>This goes for both student-list and</a:t>
-            </a:r>
-            <a:br>
-              <a:rPr lang="en-US" dirty="0">
-                <a:solidFill>
-                  <a:schemeClr val="bg1"/>
-                </a:solidFill>
-              </a:rPr>
-            </a:br>
-            <a:r>
-              <a:rPr lang="en-US" dirty="0">
-                <a:solidFill>
-                  <a:schemeClr val="bg1"/>
-                </a:solidFill>
-              </a:rPr>
-              <a:t>student-details html.</a:t>
-            </a:r>
-            <a:br>
-              <a:rPr lang="en-US" dirty="0">
-                <a:solidFill>
-                  <a:schemeClr val="bg1"/>
-                </a:solidFill>
-              </a:rPr>
-            </a:br>
-            <a:endParaRPr lang="en-US" dirty="0">
-              <a:solidFill>
-                <a:schemeClr val="bg1"/>
-              </a:solidFill>
-            </a:endParaRPr>
-          </a:p>
-        </p:txBody>
-      </p:sp>
-      <p:pic>
-        <p:nvPicPr>
-          <p:cNvPr id="4" name="Picture 3">
-            <a:extLst>
-              <a:ext uri="{FF2B5EF4-FFF2-40B4-BE49-F238E27FC236}">
-                <a16:creationId xmlns:a16="http://schemas.microsoft.com/office/drawing/2014/main" id="{AAEE6810-81A0-4888-A4D1-11638D585C17}"/>
-              </a:ext>
-            </a:extLst>
-          </p:cNvPr>
-          <p:cNvPicPr>
-            <a:picLocks noChangeAspect="1"/>
-          </p:cNvPicPr>
-          <p:nvPr/>
-        </p:nvPicPr>
-        <p:blipFill>
-          <a:blip r:embed="rId2"/>
-          <a:stretch>
-            <a:fillRect/>
-          </a:stretch>
-        </p:blipFill>
-        <p:spPr>
-          <a:xfrm>
-            <a:off x="6257925" y="3609975"/>
-            <a:ext cx="5934075" cy="3248025"/>
-          </a:xfrm>
-          <a:prstGeom prst="rect">
-            <a:avLst/>
-          </a:prstGeom>
-        </p:spPr>
-      </p:pic>
-    </p:spTree>
-    <p:extLst>
-      <p:ext uri="{BB962C8B-B14F-4D97-AF65-F5344CB8AC3E}">
-        <p14:creationId xmlns:p14="http://schemas.microsoft.com/office/powerpoint/2010/main" val="1623711675"/>
-      </p:ext>
-    </p:extLst>
-  </p:cSld>
-  <p:clrMapOvr>
-    <a:masterClrMapping/>
-  </p:clrMapOvr>
-</p:sld>
-</file>
-
-<file path=ppt/slides/slide12.xml><?xml version="1.0" encoding="utf-8"?>
-<p:sld xmlns:a="http://schemas.openxmlformats.org/drawingml/2006/main" xmlns:r="http://schemas.openxmlformats.org/officeDocument/2006/relationships" xmlns:p="http://schemas.openxmlformats.org/presentationml/2006/main">
-  <p:cSld>
-    <p:spTree>
-      <p:nvGrpSpPr>
-        <p:cNvPr id="1" name=""/>
-        <p:cNvGrpSpPr/>
-        <p:nvPr/>
-      </p:nvGrpSpPr>
-      <p:grpSpPr>
-        <a:xfrm>
-          <a:off x="0" y="0"/>
-          <a:ext cx="0" cy="0"/>
-          <a:chOff x="0" y="0"/>
-          <a:chExt cx="0" cy="0"/>
-        </a:xfrm>
-      </p:grpSpPr>
-      <p:sp>
-        <p:nvSpPr>
-          <p:cNvPr id="2" name="Title 1">
-            <a:extLst>
-              <a:ext uri="{FF2B5EF4-FFF2-40B4-BE49-F238E27FC236}">
-                <a16:creationId xmlns:a16="http://schemas.microsoft.com/office/drawing/2014/main" id="{57CB409B-3FB3-4B18-AB8E-CDC42482B0CF}"/>
-              </a:ext>
-            </a:extLst>
-          </p:cNvPr>
-          <p:cNvSpPr>
-            <a:spLocks noGrp="1"/>
-          </p:cNvSpPr>
-          <p:nvPr>
-            <p:ph type="title"/>
-          </p:nvPr>
-        </p:nvSpPr>
-        <p:spPr/>
-        <p:txBody>
-          <a:bodyPr/>
-          <a:lstStyle/>
-          <a:p>
-            <a:pPr algn="ctr"/>
-            <a:r>
-              <a:rPr lang="en-US" dirty="0" err="1"/>
-              <a:t>Concusion</a:t>
-            </a:r>
-            <a:endParaRPr lang="en-US" dirty="0"/>
-          </a:p>
-        </p:txBody>
-      </p:sp>
-      <p:sp>
-        <p:nvSpPr>
-          <p:cNvPr id="3" name="Content Placeholder 2">
-            <a:extLst>
-              <a:ext uri="{FF2B5EF4-FFF2-40B4-BE49-F238E27FC236}">
-                <a16:creationId xmlns:a16="http://schemas.microsoft.com/office/drawing/2014/main" id="{ACF4656C-645E-4439-B46C-027CDFB59400}"/>
-              </a:ext>
-            </a:extLst>
-          </p:cNvPr>
-          <p:cNvSpPr>
-            <a:spLocks noGrp="1"/>
-          </p:cNvSpPr>
-          <p:nvPr>
-            <p:ph idx="1"/>
-          </p:nvPr>
-        </p:nvSpPr>
-        <p:spPr/>
-        <p:txBody>
-          <a:bodyPr/>
-          <a:lstStyle/>
-          <a:p>
-            <a:r>
-              <a:rPr lang="en-US" dirty="0"/>
-              <a:t>As we see if we add something to the json file it should add it to both pages and there is no need for </a:t>
-            </a:r>
-            <a:r>
-              <a:rPr lang="en-US" dirty="0" err="1"/>
-              <a:t>repeting</a:t>
-            </a:r>
-            <a:r>
-              <a:rPr lang="en-US" dirty="0"/>
-              <a:t> code.</a:t>
-            </a:r>
-          </a:p>
-        </p:txBody>
-      </p:sp>
-      <p:pic>
-        <p:nvPicPr>
-          <p:cNvPr id="4" name="Picture 3">
-            <a:extLst>
-              <a:ext uri="{FF2B5EF4-FFF2-40B4-BE49-F238E27FC236}">
-                <a16:creationId xmlns:a16="http://schemas.microsoft.com/office/drawing/2014/main" id="{8E2497AA-3342-4C52-B9D3-11D8060C54BC}"/>
-              </a:ext>
-            </a:extLst>
-          </p:cNvPr>
-          <p:cNvPicPr>
-            <a:picLocks noChangeAspect="1"/>
-          </p:cNvPicPr>
-          <p:nvPr/>
-        </p:nvPicPr>
-        <p:blipFill>
-          <a:blip r:embed="rId2"/>
-          <a:stretch>
-            <a:fillRect/>
-          </a:stretch>
-        </p:blipFill>
-        <p:spPr>
-          <a:xfrm>
-            <a:off x="7896225" y="3184027"/>
-            <a:ext cx="2933700" cy="3248025"/>
-          </a:xfrm>
-          <a:prstGeom prst="rect">
-            <a:avLst/>
-          </a:prstGeom>
-        </p:spPr>
-      </p:pic>
-      <p:pic>
-        <p:nvPicPr>
-          <p:cNvPr id="5" name="Picture 4">
-            <a:extLst>
-              <a:ext uri="{FF2B5EF4-FFF2-40B4-BE49-F238E27FC236}">
-                <a16:creationId xmlns:a16="http://schemas.microsoft.com/office/drawing/2014/main" id="{D5E55C16-55D9-4F98-9E70-6923F766CF7C}"/>
-              </a:ext>
-            </a:extLst>
-          </p:cNvPr>
-          <p:cNvPicPr>
-            <a:picLocks noChangeAspect="1"/>
-          </p:cNvPicPr>
-          <p:nvPr/>
-        </p:nvPicPr>
-        <p:blipFill>
-          <a:blip r:embed="rId3"/>
-          <a:stretch>
-            <a:fillRect/>
-          </a:stretch>
-        </p:blipFill>
-        <p:spPr>
-          <a:xfrm>
-            <a:off x="247651" y="3317376"/>
-            <a:ext cx="4048125" cy="2981325"/>
-          </a:xfrm>
-          <a:prstGeom prst="rect">
-            <a:avLst/>
-          </a:prstGeom>
-        </p:spPr>
-      </p:pic>
-      <p:pic>
-        <p:nvPicPr>
-          <p:cNvPr id="6" name="Picture 5">
-            <a:extLst>
-              <a:ext uri="{FF2B5EF4-FFF2-40B4-BE49-F238E27FC236}">
-                <a16:creationId xmlns:a16="http://schemas.microsoft.com/office/drawing/2014/main" id="{6804C561-CEE0-4FB4-B7A6-4EC41806E6DA}"/>
-              </a:ext>
-            </a:extLst>
-          </p:cNvPr>
-          <p:cNvPicPr>
-            <a:picLocks noChangeAspect="1"/>
-          </p:cNvPicPr>
-          <p:nvPr/>
-        </p:nvPicPr>
-        <p:blipFill>
-          <a:blip r:embed="rId4"/>
-          <a:stretch>
-            <a:fillRect/>
-          </a:stretch>
-        </p:blipFill>
-        <p:spPr>
-          <a:xfrm>
-            <a:off x="4569619" y="3184027"/>
-            <a:ext cx="3052762" cy="3248025"/>
-          </a:xfrm>
-          <a:prstGeom prst="rect">
-            <a:avLst/>
-          </a:prstGeom>
-        </p:spPr>
-      </p:pic>
-    </p:spTree>
-    <p:extLst>
-      <p:ext uri="{BB962C8B-B14F-4D97-AF65-F5344CB8AC3E}">
-        <p14:creationId xmlns:p14="http://schemas.microsoft.com/office/powerpoint/2010/main" val="3127628093"/>
-      </p:ext>
-    </p:extLst>
-  </p:cSld>
-  <p:clrMapOvr>
-    <a:masterClrMapping/>
-  </p:clrMapOvr>
-</p:sld>
-</file>
-
-<file path=ppt/slides/slide13.xml><?xml version="1.0" encoding="utf-8"?>
-<p:sld xmlns:a="http://schemas.openxmlformats.org/drawingml/2006/main" xmlns:r="http://schemas.openxmlformats.org/officeDocument/2006/relationships" xmlns:p="http://schemas.openxmlformats.org/presentationml/2006/main">
-  <p:cSld>
-    <p:spTree>
-      <p:nvGrpSpPr>
-        <p:cNvPr id="1" name=""/>
-        <p:cNvGrpSpPr/>
-        <p:nvPr/>
-      </p:nvGrpSpPr>
-      <p:grpSpPr>
-        <a:xfrm>
-          <a:off x="0" y="0"/>
-          <a:ext cx="0" cy="0"/>
-          <a:chOff x="0" y="0"/>
-          <a:chExt cx="0" cy="0"/>
-        </a:xfrm>
-      </p:grpSpPr>
-      <p:sp>
-        <p:nvSpPr>
-          <p:cNvPr id="2" name="Title 1">
-            <a:extLst>
-              <a:ext uri="{FF2B5EF4-FFF2-40B4-BE49-F238E27FC236}">
-                <a16:creationId xmlns:a16="http://schemas.microsoft.com/office/drawing/2014/main" id="{BFA40D02-BCE6-490A-83E2-B5C49F7A4E2F}"/>
-              </a:ext>
-            </a:extLst>
-          </p:cNvPr>
-          <p:cNvSpPr>
-            <a:spLocks noGrp="1"/>
-          </p:cNvSpPr>
-          <p:nvPr>
-            <p:ph type="title"/>
-          </p:nvPr>
-        </p:nvSpPr>
-        <p:spPr/>
-        <p:txBody>
-          <a:bodyPr/>
-          <a:lstStyle/>
-          <a:p>
-            <a:pPr algn="ctr"/>
-            <a:r>
-              <a:rPr lang="en-US" dirty="0"/>
-              <a:t>Questions?</a:t>
-            </a:r>
-          </a:p>
-        </p:txBody>
-      </p:sp>
-      <p:pic>
-        <p:nvPicPr>
-          <p:cNvPr id="1026" name="Picture 2" descr="Answering tough interview questions">
-            <a:extLst>
-              <a:ext uri="{FF2B5EF4-FFF2-40B4-BE49-F238E27FC236}">
-                <a16:creationId xmlns:a16="http://schemas.microsoft.com/office/drawing/2014/main" id="{061525DC-F660-4DE7-9061-AB94C74B24EE}"/>
-              </a:ext>
-            </a:extLst>
-          </p:cNvPr>
-          <p:cNvPicPr>
-            <a:picLocks noGrp="1" noChangeAspect="1" noChangeArrowheads="1"/>
-          </p:cNvPicPr>
-          <p:nvPr>
-            <p:ph idx="1"/>
-          </p:nvPr>
-        </p:nvPicPr>
-        <p:blipFill>
-          <a:blip r:embed="rId2">
-            <a:extLst>
-              <a:ext uri="{28A0092B-C50C-407E-A947-70E740481C1C}">
-                <a14:useLocalDpi xmlns:a14="http://schemas.microsoft.com/office/drawing/2010/main" val="0"/>
-              </a:ext>
-            </a:extLst>
-          </a:blip>
-          <a:srcRect/>
-          <a:stretch>
-            <a:fillRect/>
-          </a:stretch>
-        </p:blipFill>
-        <p:spPr bwMode="auto">
-          <a:xfrm>
-            <a:off x="3001963" y="2198043"/>
-            <a:ext cx="6799262" cy="4136082"/>
-          </a:xfrm>
-          <a:prstGeom prst="rect">
-            <a:avLst/>
-          </a:prstGeom>
-          <a:noFill/>
-          <a:extLst>
-            <a:ext uri="{909E8E84-426E-40DD-AFC4-6F175D3DCCD1}">
-              <a14:hiddenFill xmlns:a14="http://schemas.microsoft.com/office/drawing/2010/main">
-                <a:solidFill>
-                  <a:srgbClr val="FFFFFF"/>
-                </a:solidFill>
-              </a14:hiddenFill>
-            </a:ext>
-          </a:extLst>
-        </p:spPr>
-      </p:pic>
-    </p:spTree>
-    <p:extLst>
-      <p:ext uri="{BB962C8B-B14F-4D97-AF65-F5344CB8AC3E}">
-        <p14:creationId xmlns:p14="http://schemas.microsoft.com/office/powerpoint/2010/main" val="2395233670"/>
-      </p:ext>
-    </p:extLst>
-  </p:cSld>
-  <p:clrMapOvr>
-    <a:masterClrMapping/>
-  </p:clrMapOvr>
-</p:sld>
-</file>
-
-<file path=ppt/slides/slide2.xml><?xml version="1.0" encoding="utf-8"?>
 <p:sld xmlns:a="http://schemas.openxmlformats.org/drawingml/2006/main" xmlns:r="http://schemas.openxmlformats.org/officeDocument/2006/relationships" xmlns:p="http://schemas.openxmlformats.org/presentationml/2006/main">
   <p:cSld>
     <p:bg>
@@ -8943,7 +8240,7 @@
       </p:grpSpPr>
       <p:sp useBgFill="1">
         <p:nvSpPr>
-          <p:cNvPr id="10" name="Rectangle 9">
+          <p:cNvPr id="11" name="Rectangle 10">
             <a:extLst>
               <a:ext uri="{FF2B5EF4-FFF2-40B4-BE49-F238E27FC236}">
                 <a16:creationId xmlns:a16="http://schemas.microsoft.com/office/drawing/2014/main" id="{C610D2AE-07EF-436A-9755-AA8DF4B933A4}"/>
@@ -9003,7 +8300,7 @@
       </p:sp>
       <p:pic>
         <p:nvPicPr>
-          <p:cNvPr id="12" name="Picture 11">
+          <p:cNvPr id="13" name="Picture 12">
             <a:extLst>
               <a:ext uri="{FF2B5EF4-FFF2-40B4-BE49-F238E27FC236}">
                 <a16:creationId xmlns:a16="http://schemas.microsoft.com/office/drawing/2014/main" id="{6CACDD17-9043-46DF-882D-420365B79C18}"/>
@@ -9049,7 +8346,7 @@
       </p:pic>
       <p:sp>
         <p:nvSpPr>
-          <p:cNvPr id="14" name="Rectangle 13">
+          <p:cNvPr id="15" name="Rectangle 14">
             <a:extLst>
               <a:ext uri="{FF2B5EF4-FFF2-40B4-BE49-F238E27FC236}">
                 <a16:creationId xmlns:a16="http://schemas.microsoft.com/office/drawing/2014/main" id="{CF2D8AD5-434A-4C0E-9F5B-C1AFD645F364}"/>
@@ -9110,7 +8407,7 @@
           <p:cNvPr id="2" name="Title 1">
             <a:extLst>
               <a:ext uri="{FF2B5EF4-FFF2-40B4-BE49-F238E27FC236}">
-                <a16:creationId xmlns:a16="http://schemas.microsoft.com/office/drawing/2014/main" id="{CB6F5EC1-D7E9-4338-83F4-5EAD8448EF29}"/>
+                <a16:creationId xmlns:a16="http://schemas.microsoft.com/office/drawing/2014/main" id="{06EA0C3B-1589-453D-B8D5-58025300A087}"/>
               </a:ext>
             </a:extLst>
           </p:cNvPr>
@@ -9135,14 +8432,14 @@
           <a:p>
             <a:r>
               <a:rPr lang="en-US" sz="2400"/>
-              <a:t>GitHub</a:t>
+              <a:t>Make a URL</a:t>
             </a:r>
           </a:p>
         </p:txBody>
       </p:sp>
       <p:pic>
         <p:nvPicPr>
-          <p:cNvPr id="16" name="Picture 15">
+          <p:cNvPr id="17" name="Picture 16">
             <a:extLst>
               <a:ext uri="{FF2B5EF4-FFF2-40B4-BE49-F238E27FC236}">
                 <a16:creationId xmlns:a16="http://schemas.microsoft.com/office/drawing/2014/main" id="{E92B246D-47CC-40F8-8DE7-B65D409E945E}"/>
@@ -9187,10 +8484,10 @@
       </p:pic>
       <p:sp>
         <p:nvSpPr>
-          <p:cNvPr id="3" name="Content Placeholder 2">
+          <p:cNvPr id="8" name="Content Placeholder 7">
             <a:extLst>
               <a:ext uri="{FF2B5EF4-FFF2-40B4-BE49-F238E27FC236}">
-                <a16:creationId xmlns:a16="http://schemas.microsoft.com/office/drawing/2014/main" id="{140193F6-78E5-46BB-8973-08B0C3F6332F}"/>
+                <a16:creationId xmlns:a16="http://schemas.microsoft.com/office/drawing/2014/main" id="{8BE97542-765F-425F-BF92-F72E1EC231B4}"/>
               </a:ext>
             </a:extLst>
           </p:cNvPr>
@@ -9203,8 +8500,8 @@
         </p:nvSpPr>
         <p:spPr>
           <a:xfrm>
-            <a:off x="142985" y="2378494"/>
-            <a:ext cx="5129929" cy="3599316"/>
+            <a:off x="680321" y="2336873"/>
+            <a:ext cx="4136123" cy="3599316"/>
           </a:xfrm>
         </p:spPr>
         <p:txBody>
@@ -9215,66 +8512,31 @@
           <a:p>
             <a:r>
               <a:rPr lang="en-US" sz="1800" dirty="0"/>
-              <a:t>git clone </a:t>
-            </a:r>
-            <a:r>
-              <a:rPr lang="en-US" sz="1800" dirty="0">
-                <a:hlinkClick r:id="rId4"/>
-              </a:rPr>
-              <a:t>https://github.com/KidLanz/SID.git</a:t>
-            </a:r>
-            <a:endParaRPr lang="en-US" sz="1800" dirty="0"/>
-          </a:p>
-          <a:p>
+              <a:t>Making this </a:t>
+            </a:r>
+            <a:r>
+              <a:rPr lang="en-US" sz="1800" dirty="0" err="1"/>
+              <a:t>url</a:t>
+            </a:r>
             <a:r>
               <a:rPr lang="en-US" sz="1800" dirty="0"/>
-              <a:t>Command Prompt:</a:t>
-            </a:r>
-          </a:p>
-          <a:p>
-            <a:pPr lvl="1"/>
-            <a:r>
-              <a:rPr lang="en-US" sz="1400" dirty="0"/>
-              <a:t>cd Desktop/demo3/SID</a:t>
-            </a:r>
-          </a:p>
-          <a:p>
-            <a:pPr lvl="1"/>
-            <a:r>
-              <a:rPr lang="en-US" sz="1200" dirty="0"/>
-              <a:t>code .</a:t>
-            </a:r>
-          </a:p>
-          <a:p>
-            <a:pPr lvl="1"/>
-            <a:r>
-              <a:rPr lang="en-US" sz="1200" dirty="0" err="1"/>
-              <a:t>npm</a:t>
-            </a:r>
-            <a:r>
-              <a:rPr lang="en-US" sz="1200" dirty="0"/>
-              <a:t> install</a:t>
-            </a:r>
-          </a:p>
-          <a:p>
-            <a:pPr lvl="1"/>
-            <a:r>
-              <a:rPr lang="en-US" sz="1200" dirty="0"/>
-              <a:t>ng serve -o</a:t>
-            </a:r>
-            <a:br>
-              <a:rPr lang="en-US" sz="1200" dirty="0"/>
-            </a:br>
-            <a:endParaRPr lang="en-US" sz="1200" dirty="0"/>
+              <a:t> will direct it to the json file in the data folder.</a:t>
+            </a:r>
+          </a:p>
+          <a:p>
+            <a:r>
+              <a:rPr lang="en-US" sz="1800" dirty="0"/>
+              <a:t>If there is a URL that actually works replace the URL and the code should still work.</a:t>
+            </a:r>
           </a:p>
         </p:txBody>
       </p:sp>
       <p:pic>
         <p:nvPicPr>
-          <p:cNvPr id="5" name="Picture 4">
+          <p:cNvPr id="4" name="Content Placeholder 3">
             <a:extLst>
               <a:ext uri="{FF2B5EF4-FFF2-40B4-BE49-F238E27FC236}">
-                <a16:creationId xmlns:a16="http://schemas.microsoft.com/office/drawing/2014/main" id="{504E8595-37D7-4FCF-BD5B-3BB9157B9E1E}"/>
+                <a16:creationId xmlns:a16="http://schemas.microsoft.com/office/drawing/2014/main" id="{87682AE0-195B-4159-B1B4-EA143867AE61}"/>
               </a:ext>
             </a:extLst>
           </p:cNvPr>
@@ -9284,15 +8546,15 @@
           <p:nvPr/>
         </p:nvPicPr>
         <p:blipFill>
-          <a:blip r:embed="rId5"/>
+          <a:blip r:embed="rId4"/>
           <a:stretch>
             <a:fillRect/>
           </a:stretch>
         </p:blipFill>
         <p:spPr>
           <a:xfrm>
-            <a:off x="5271436" y="2466974"/>
-            <a:ext cx="6920564" cy="4391025"/>
+            <a:off x="5276090" y="1034327"/>
+            <a:ext cx="6303134" cy="4758865"/>
           </a:xfrm>
           <a:prstGeom prst="rect">
             <a:avLst/>
@@ -9312,7 +8574,1428 @@
     </p:spTree>
     <p:extLst>
       <p:ext uri="{BB962C8B-B14F-4D97-AF65-F5344CB8AC3E}">
-        <p14:creationId xmlns:p14="http://schemas.microsoft.com/office/powerpoint/2010/main" val="2913851184"/>
+        <p14:creationId xmlns:p14="http://schemas.microsoft.com/office/powerpoint/2010/main" val="2602386479"/>
+      </p:ext>
+    </p:extLst>
+  </p:cSld>
+  <p:clrMapOvr>
+    <a:masterClrMapping/>
+  </p:clrMapOvr>
+</p:sld>
+</file>
+
+<file path=ppt/slides/slide12.xml><?xml version="1.0" encoding="utf-8"?>
+<p:sld xmlns:a="http://schemas.openxmlformats.org/drawingml/2006/main" xmlns:r="http://schemas.openxmlformats.org/officeDocument/2006/relationships" xmlns:p="http://schemas.openxmlformats.org/presentationml/2006/main">
+  <p:cSld>
+    <p:spTree>
+      <p:nvGrpSpPr>
+        <p:cNvPr id="1" name=""/>
+        <p:cNvGrpSpPr/>
+        <p:nvPr/>
+      </p:nvGrpSpPr>
+      <p:grpSpPr>
+        <a:xfrm>
+          <a:off x="0" y="0"/>
+          <a:ext cx="0" cy="0"/>
+          <a:chOff x="0" y="0"/>
+          <a:chExt cx="0" cy="0"/>
+        </a:xfrm>
+      </p:grpSpPr>
+      <p:sp>
+        <p:nvSpPr>
+          <p:cNvPr id="2" name="Title 1">
+            <a:extLst>
+              <a:ext uri="{FF2B5EF4-FFF2-40B4-BE49-F238E27FC236}">
+                <a16:creationId xmlns:a16="http://schemas.microsoft.com/office/drawing/2014/main" id="{15AC5AF5-B7CC-41A4-9FFE-062E5F5D798B}"/>
+              </a:ext>
+            </a:extLst>
+          </p:cNvPr>
+          <p:cNvSpPr>
+            <a:spLocks noGrp="1"/>
+          </p:cNvSpPr>
+          <p:nvPr>
+            <p:ph type="title"/>
+          </p:nvPr>
+        </p:nvSpPr>
+        <p:spPr/>
+        <p:txBody>
+          <a:bodyPr/>
+          <a:lstStyle/>
+          <a:p>
+            <a:pPr algn="ctr"/>
+            <a:r>
+              <a:rPr lang="en-US" dirty="0"/>
+              <a:t>Observable</a:t>
+            </a:r>
+          </a:p>
+        </p:txBody>
+      </p:sp>
+      <p:sp>
+        <p:nvSpPr>
+          <p:cNvPr id="3" name="Content Placeholder 2">
+            <a:extLst>
+              <a:ext uri="{FF2B5EF4-FFF2-40B4-BE49-F238E27FC236}">
+                <a16:creationId xmlns:a16="http://schemas.microsoft.com/office/drawing/2014/main" id="{5639D02F-69B5-4E29-AE1E-A14EE054F773}"/>
+              </a:ext>
+            </a:extLst>
+          </p:cNvPr>
+          <p:cNvSpPr>
+            <a:spLocks noGrp="1"/>
+          </p:cNvSpPr>
+          <p:nvPr>
+            <p:ph idx="1"/>
+          </p:nvPr>
+        </p:nvSpPr>
+        <p:spPr>
+          <a:xfrm>
+            <a:off x="680322" y="2336872"/>
+            <a:ext cx="10842894" cy="3767899"/>
+          </a:xfrm>
+        </p:spPr>
+        <p:txBody>
+          <a:bodyPr>
+            <a:normAutofit fontScale="85000" lnSpcReduction="20000"/>
+          </a:bodyPr>
+          <a:lstStyle/>
+          <a:p>
+            <a:r>
+              <a:rPr lang="en-US" dirty="0">
+                <a:solidFill>
+                  <a:schemeClr val="bg1"/>
+                </a:solidFill>
+              </a:rPr>
+              <a:t>If you hover over the get() method it returns an observable so we need to be cased to match an array of students format in order for it to work</a:t>
+            </a:r>
+          </a:p>
+          <a:p>
+            <a:pPr lvl="1"/>
+            <a:r>
+              <a:rPr lang="en-US" dirty="0">
+                <a:solidFill>
+                  <a:schemeClr val="bg1"/>
+                </a:solidFill>
+              </a:rPr>
+              <a:t>Create an interface named </a:t>
+            </a:r>
+            <a:r>
+              <a:rPr lang="en-US" dirty="0" err="1">
+                <a:solidFill>
+                  <a:srgbClr val="FFFF00"/>
+                </a:solidFill>
+                <a:highlight>
+                  <a:srgbClr val="000080"/>
+                </a:highlight>
+              </a:rPr>
+              <a:t>student.ts</a:t>
+            </a:r>
+            <a:r>
+              <a:rPr lang="en-US" dirty="0">
+                <a:solidFill>
+                  <a:srgbClr val="FFFF00"/>
+                </a:solidFill>
+              </a:rPr>
+              <a:t> </a:t>
+            </a:r>
+            <a:r>
+              <a:rPr lang="en-US" dirty="0">
+                <a:solidFill>
+                  <a:schemeClr val="bg1"/>
+                </a:solidFill>
+              </a:rPr>
+              <a:t>and add the code below</a:t>
+            </a:r>
+          </a:p>
+          <a:p>
+            <a:pPr marL="457200" lvl="1" indent="0">
+              <a:buNone/>
+            </a:pPr>
+            <a:endParaRPr lang="en-US" dirty="0">
+              <a:solidFill>
+                <a:schemeClr val="bg1"/>
+              </a:solidFill>
+            </a:endParaRPr>
+          </a:p>
+          <a:p>
+            <a:pPr marL="0" indent="0">
+              <a:buNone/>
+            </a:pPr>
+            <a:r>
+              <a:rPr lang="en-US" dirty="0"/>
+              <a:t>export interface </a:t>
+            </a:r>
+            <a:r>
+              <a:rPr lang="en-US" dirty="0" err="1"/>
+              <a:t>StuInterface</a:t>
+            </a:r>
+            <a:r>
+              <a:rPr lang="en-US" dirty="0"/>
+              <a:t> {</a:t>
+            </a:r>
+          </a:p>
+          <a:p>
+            <a:pPr marL="0" indent="0">
+              <a:buNone/>
+            </a:pPr>
+            <a:r>
+              <a:rPr lang="en-US" dirty="0"/>
+              <a:t>    id: number;</a:t>
+            </a:r>
+          </a:p>
+          <a:p>
+            <a:pPr marL="0" indent="0">
+              <a:buNone/>
+            </a:pPr>
+            <a:r>
+              <a:rPr lang="en-US" dirty="0"/>
+              <a:t>    name: string;</a:t>
+            </a:r>
+          </a:p>
+          <a:p>
+            <a:pPr marL="0" indent="0">
+              <a:buNone/>
+            </a:pPr>
+            <a:r>
+              <a:rPr lang="en-US" dirty="0"/>
+              <a:t>    age: number;</a:t>
+            </a:r>
+          </a:p>
+          <a:p>
+            <a:pPr marL="0" indent="0">
+              <a:buNone/>
+            </a:pPr>
+            <a:r>
+              <a:rPr lang="en-US" dirty="0"/>
+              <a:t>}</a:t>
+            </a:r>
+          </a:p>
+          <a:p>
+            <a:r>
+              <a:rPr lang="en-US" dirty="0"/>
+              <a:t>Going back to the </a:t>
+            </a:r>
+            <a:r>
+              <a:rPr lang="en-US" dirty="0" err="1">
+                <a:solidFill>
+                  <a:srgbClr val="FFFF00"/>
+                </a:solidFill>
+                <a:highlight>
+                  <a:srgbClr val="000080"/>
+                </a:highlight>
+              </a:rPr>
+              <a:t>student.service.ts</a:t>
+            </a:r>
+            <a:r>
+              <a:rPr lang="en-US" dirty="0">
+                <a:solidFill>
+                  <a:srgbClr val="FFFF00"/>
+                </a:solidFill>
+                <a:highlight>
+                  <a:srgbClr val="000080"/>
+                </a:highlight>
+              </a:rPr>
+              <a:t> </a:t>
+            </a:r>
+            <a:r>
+              <a:rPr lang="en-US" dirty="0"/>
+              <a:t>add the </a:t>
+            </a:r>
+            <a:r>
+              <a:rPr lang="en-US" dirty="0" err="1">
+                <a:solidFill>
+                  <a:srgbClr val="FFFF00"/>
+                </a:solidFill>
+                <a:highlight>
+                  <a:srgbClr val="000080"/>
+                </a:highlight>
+              </a:rPr>
+              <a:t>StuInterface</a:t>
+            </a:r>
+            <a:r>
+              <a:rPr lang="en-US" dirty="0">
+                <a:solidFill>
+                  <a:srgbClr val="FFFF00"/>
+                </a:solidFill>
+                <a:highlight>
+                  <a:srgbClr val="000080"/>
+                </a:highlight>
+              </a:rPr>
+              <a:t>[]</a:t>
+            </a:r>
+            <a:r>
+              <a:rPr lang="en-US" dirty="0"/>
+              <a:t> </a:t>
+            </a:r>
+            <a:br>
+              <a:rPr lang="en-US" dirty="0"/>
+            </a:br>
+            <a:r>
+              <a:rPr lang="en-US" dirty="0"/>
+              <a:t>to the get and the </a:t>
+            </a:r>
+            <a:r>
+              <a:rPr lang="en-US" dirty="0" err="1">
+                <a:solidFill>
+                  <a:srgbClr val="FFFF00"/>
+                </a:solidFill>
+                <a:highlight>
+                  <a:srgbClr val="000080"/>
+                </a:highlight>
+              </a:rPr>
+              <a:t>getStudents</a:t>
+            </a:r>
+            <a:r>
+              <a:rPr lang="en-US" dirty="0">
+                <a:solidFill>
+                  <a:srgbClr val="FFFF00"/>
+                </a:solidFill>
+                <a:highlight>
+                  <a:srgbClr val="000080"/>
+                </a:highlight>
+              </a:rPr>
+              <a:t>()</a:t>
+            </a:r>
+            <a:r>
+              <a:rPr lang="en-US" dirty="0"/>
+              <a:t> will return an observable</a:t>
+            </a:r>
+            <a:br>
+              <a:rPr lang="en-US" dirty="0"/>
+            </a:br>
+            <a:r>
+              <a:rPr lang="en-US" dirty="0"/>
+              <a:t>of </a:t>
+            </a:r>
+            <a:r>
+              <a:rPr lang="en-US" dirty="0" err="1">
+                <a:solidFill>
+                  <a:srgbClr val="FFFF00"/>
+                </a:solidFill>
+                <a:highlight>
+                  <a:srgbClr val="000080"/>
+                </a:highlight>
+              </a:rPr>
+              <a:t>StuInterface</a:t>
+            </a:r>
+            <a:r>
+              <a:rPr lang="en-US" dirty="0">
+                <a:solidFill>
+                  <a:srgbClr val="FFFF00"/>
+                </a:solidFill>
+                <a:highlight>
+                  <a:srgbClr val="000080"/>
+                </a:highlight>
+              </a:rPr>
+              <a:t>[]</a:t>
+            </a:r>
+            <a:r>
+              <a:rPr lang="en-US" dirty="0">
+                <a:solidFill>
+                  <a:srgbClr val="FFFF00"/>
+                </a:solidFill>
+              </a:rPr>
+              <a:t> .</a:t>
+            </a:r>
+          </a:p>
+          <a:p>
+            <a:pPr marL="457200" lvl="1" indent="0">
+              <a:buNone/>
+            </a:pPr>
+            <a:endParaRPr lang="en-US" dirty="0">
+              <a:solidFill>
+                <a:schemeClr val="bg1"/>
+              </a:solidFill>
+            </a:endParaRPr>
+          </a:p>
+        </p:txBody>
+      </p:sp>
+      <p:pic>
+        <p:nvPicPr>
+          <p:cNvPr id="7" name="Picture 6">
+            <a:extLst>
+              <a:ext uri="{FF2B5EF4-FFF2-40B4-BE49-F238E27FC236}">
+                <a16:creationId xmlns:a16="http://schemas.microsoft.com/office/drawing/2014/main" id="{3E222DB8-C227-4608-BA6D-030C27C9F74F}"/>
+              </a:ext>
+            </a:extLst>
+          </p:cNvPr>
+          <p:cNvPicPr>
+            <a:picLocks noChangeAspect="1"/>
+          </p:cNvPicPr>
+          <p:nvPr/>
+        </p:nvPicPr>
+        <p:blipFill>
+          <a:blip r:embed="rId2"/>
+          <a:stretch>
+            <a:fillRect/>
+          </a:stretch>
+        </p:blipFill>
+        <p:spPr>
+          <a:xfrm>
+            <a:off x="7804398" y="3305176"/>
+            <a:ext cx="4387602" cy="3552824"/>
+          </a:xfrm>
+          <a:prstGeom prst="rect">
+            <a:avLst/>
+          </a:prstGeom>
+        </p:spPr>
+      </p:pic>
+      <p:sp>
+        <p:nvSpPr>
+          <p:cNvPr id="9" name="Arrow: Right 8">
+            <a:extLst>
+              <a:ext uri="{FF2B5EF4-FFF2-40B4-BE49-F238E27FC236}">
+                <a16:creationId xmlns:a16="http://schemas.microsoft.com/office/drawing/2014/main" id="{F878A54A-C636-408D-9E6F-C9F292563333}"/>
+              </a:ext>
+            </a:extLst>
+          </p:cNvPr>
+          <p:cNvSpPr/>
+          <p:nvPr/>
+        </p:nvSpPr>
+        <p:spPr>
+          <a:xfrm rot="18568370">
+            <a:off x="9827784" y="6216013"/>
+            <a:ext cx="666750" cy="369718"/>
+          </a:xfrm>
+          <a:prstGeom prst="rightArrow">
+            <a:avLst>
+              <a:gd name="adj1" fmla="val 35593"/>
+              <a:gd name="adj2" fmla="val 50000"/>
+            </a:avLst>
+          </a:prstGeom>
+        </p:spPr>
+        <p:style>
+          <a:lnRef idx="2">
+            <a:schemeClr val="accent1">
+              <a:shade val="50000"/>
+            </a:schemeClr>
+          </a:lnRef>
+          <a:fillRef idx="1">
+            <a:schemeClr val="accent1"/>
+          </a:fillRef>
+          <a:effectRef idx="0">
+            <a:schemeClr val="accent1"/>
+          </a:effectRef>
+          <a:fontRef idx="minor">
+            <a:schemeClr val="lt1"/>
+          </a:fontRef>
+        </p:style>
+        <p:txBody>
+          <a:bodyPr rtlCol="0" anchor="ctr"/>
+          <a:lstStyle/>
+          <a:p>
+            <a:pPr algn="ctr"/>
+            <a:endParaRPr lang="en-US"/>
+          </a:p>
+        </p:txBody>
+      </p:sp>
+      <p:sp>
+        <p:nvSpPr>
+          <p:cNvPr id="10" name="Arrow: Right 9">
+            <a:extLst>
+              <a:ext uri="{FF2B5EF4-FFF2-40B4-BE49-F238E27FC236}">
+                <a16:creationId xmlns:a16="http://schemas.microsoft.com/office/drawing/2014/main" id="{AE1F1F86-7665-4895-B55E-FA10B4DD0A6C}"/>
+              </a:ext>
+            </a:extLst>
+          </p:cNvPr>
+          <p:cNvSpPr/>
+          <p:nvPr/>
+        </p:nvSpPr>
+        <p:spPr>
+          <a:xfrm rot="2642523">
+            <a:off x="8676379" y="5354376"/>
+            <a:ext cx="666750" cy="369718"/>
+          </a:xfrm>
+          <a:prstGeom prst="rightArrow">
+            <a:avLst>
+              <a:gd name="adj1" fmla="val 35593"/>
+              <a:gd name="adj2" fmla="val 50000"/>
+            </a:avLst>
+          </a:prstGeom>
+        </p:spPr>
+        <p:style>
+          <a:lnRef idx="2">
+            <a:schemeClr val="accent1">
+              <a:shade val="50000"/>
+            </a:schemeClr>
+          </a:lnRef>
+          <a:fillRef idx="1">
+            <a:schemeClr val="accent1"/>
+          </a:fillRef>
+          <a:effectRef idx="0">
+            <a:schemeClr val="accent1"/>
+          </a:effectRef>
+          <a:fontRef idx="minor">
+            <a:schemeClr val="lt1"/>
+          </a:fontRef>
+        </p:style>
+        <p:txBody>
+          <a:bodyPr rtlCol="0" anchor="ctr"/>
+          <a:lstStyle/>
+          <a:p>
+            <a:pPr algn="ctr"/>
+            <a:endParaRPr lang="en-US"/>
+          </a:p>
+        </p:txBody>
+      </p:sp>
+    </p:spTree>
+    <p:extLst>
+      <p:ext uri="{BB962C8B-B14F-4D97-AF65-F5344CB8AC3E}">
+        <p14:creationId xmlns:p14="http://schemas.microsoft.com/office/powerpoint/2010/main" val="1598742361"/>
+      </p:ext>
+    </p:extLst>
+  </p:cSld>
+  <p:clrMapOvr>
+    <a:masterClrMapping/>
+  </p:clrMapOvr>
+</p:sld>
+</file>
+
+<file path=ppt/slides/slide13.xml><?xml version="1.0" encoding="utf-8"?>
+<p:sld xmlns:a="http://schemas.openxmlformats.org/drawingml/2006/main" xmlns:r="http://schemas.openxmlformats.org/officeDocument/2006/relationships" xmlns:p="http://schemas.openxmlformats.org/presentationml/2006/main">
+  <p:cSld>
+    <p:spTree>
+      <p:nvGrpSpPr>
+        <p:cNvPr id="1" name=""/>
+        <p:cNvGrpSpPr/>
+        <p:nvPr/>
+      </p:nvGrpSpPr>
+      <p:grpSpPr>
+        <a:xfrm>
+          <a:off x="0" y="0"/>
+          <a:ext cx="0" cy="0"/>
+          <a:chOff x="0" y="0"/>
+          <a:chExt cx="0" cy="0"/>
+        </a:xfrm>
+      </p:grpSpPr>
+      <p:sp>
+        <p:nvSpPr>
+          <p:cNvPr id="2" name="Title 1">
+            <a:extLst>
+              <a:ext uri="{FF2B5EF4-FFF2-40B4-BE49-F238E27FC236}">
+                <a16:creationId xmlns:a16="http://schemas.microsoft.com/office/drawing/2014/main" id="{30FA3FCF-43F8-483B-9E98-7616017B7B2B}"/>
+              </a:ext>
+            </a:extLst>
+          </p:cNvPr>
+          <p:cNvSpPr>
+            <a:spLocks noGrp="1"/>
+          </p:cNvSpPr>
+          <p:nvPr>
+            <p:ph type="title"/>
+          </p:nvPr>
+        </p:nvSpPr>
+        <p:spPr/>
+        <p:txBody>
+          <a:bodyPr/>
+          <a:lstStyle/>
+          <a:p>
+            <a:pPr algn="ctr"/>
+            <a:r>
+              <a:rPr lang="en-US" dirty="0"/>
+              <a:t>Subscribe</a:t>
+            </a:r>
+          </a:p>
+        </p:txBody>
+      </p:sp>
+      <p:sp>
+        <p:nvSpPr>
+          <p:cNvPr id="3" name="Content Placeholder 2">
+            <a:extLst>
+              <a:ext uri="{FF2B5EF4-FFF2-40B4-BE49-F238E27FC236}">
+                <a16:creationId xmlns:a16="http://schemas.microsoft.com/office/drawing/2014/main" id="{DEA6187B-AD7D-414B-915D-626F3F0D82B7}"/>
+              </a:ext>
+            </a:extLst>
+          </p:cNvPr>
+          <p:cNvSpPr>
+            <a:spLocks noGrp="1"/>
+          </p:cNvSpPr>
+          <p:nvPr>
+            <p:ph idx="1"/>
+          </p:nvPr>
+        </p:nvSpPr>
+        <p:spPr/>
+        <p:txBody>
+          <a:bodyPr/>
+          <a:lstStyle/>
+          <a:p>
+            <a:r>
+              <a:rPr lang="en-US" dirty="0">
+                <a:solidFill>
+                  <a:schemeClr val="bg1"/>
+                </a:solidFill>
+              </a:rPr>
+              <a:t>We need to subscribe to the data so that we can retrieve it.</a:t>
+            </a:r>
+          </a:p>
+          <a:p>
+            <a:pPr lvl="1"/>
+            <a:r>
+              <a:rPr lang="en-US" dirty="0">
+                <a:solidFill>
+                  <a:schemeClr val="bg1"/>
+                </a:solidFill>
+              </a:rPr>
+              <a:t>Add </a:t>
+            </a:r>
+            <a:r>
+              <a:rPr lang="en-US" dirty="0">
+                <a:highlight>
+                  <a:srgbClr val="000080"/>
+                </a:highlight>
+              </a:rPr>
+              <a:t>private _</a:t>
+            </a:r>
+            <a:r>
+              <a:rPr lang="en-US" dirty="0" err="1">
+                <a:highlight>
+                  <a:srgbClr val="000080"/>
+                </a:highlight>
+              </a:rPr>
+              <a:t>studentService</a:t>
+            </a:r>
+            <a:r>
+              <a:rPr lang="en-US" dirty="0">
+                <a:highlight>
+                  <a:srgbClr val="000080"/>
+                </a:highlight>
+              </a:rPr>
+              <a:t>: </a:t>
+            </a:r>
+            <a:r>
+              <a:rPr lang="en-US" dirty="0" err="1">
+                <a:highlight>
+                  <a:srgbClr val="000080"/>
+                </a:highlight>
+              </a:rPr>
+              <a:t>StudentsService</a:t>
+            </a:r>
+            <a:r>
+              <a:rPr lang="en-US" dirty="0">
+                <a:highlight>
+                  <a:srgbClr val="000080"/>
+                </a:highlight>
+              </a:rPr>
+              <a:t> </a:t>
+            </a:r>
+            <a:r>
+              <a:rPr lang="en-US" dirty="0">
+                <a:solidFill>
+                  <a:schemeClr val="bg1"/>
+                </a:solidFill>
+              </a:rPr>
+              <a:t>in the constructor parameters</a:t>
+            </a:r>
+          </a:p>
+          <a:p>
+            <a:pPr lvl="1"/>
+            <a:r>
+              <a:rPr lang="en-US" dirty="0">
+                <a:solidFill>
+                  <a:schemeClr val="bg1"/>
+                </a:solidFill>
+              </a:rPr>
+              <a:t>Add</a:t>
+            </a:r>
+            <a:r>
+              <a:rPr lang="en-US" dirty="0"/>
+              <a:t> </a:t>
+            </a:r>
+            <a:r>
+              <a:rPr lang="en-US" dirty="0">
+                <a:highlight>
+                  <a:srgbClr val="000080"/>
+                </a:highlight>
+              </a:rPr>
+              <a:t>this._</a:t>
+            </a:r>
+            <a:r>
+              <a:rPr lang="en-US" dirty="0" err="1">
+                <a:highlight>
+                  <a:srgbClr val="000080"/>
+                </a:highlight>
+              </a:rPr>
+              <a:t>studentService.getStudents</a:t>
+            </a:r>
+            <a:r>
+              <a:rPr lang="en-US" dirty="0">
+                <a:highlight>
+                  <a:srgbClr val="000080"/>
+                </a:highlight>
+              </a:rPr>
+              <a:t>().subscribe(data =&gt; </a:t>
+            </a:r>
+            <a:r>
+              <a:rPr lang="en-US" dirty="0" err="1">
+                <a:highlight>
+                  <a:srgbClr val="000080"/>
+                </a:highlight>
+              </a:rPr>
+              <a:t>this.students</a:t>
+            </a:r>
+            <a:r>
+              <a:rPr lang="en-US" dirty="0">
+                <a:highlight>
+                  <a:srgbClr val="000080"/>
+                </a:highlight>
+              </a:rPr>
+              <a:t> = data);</a:t>
+            </a:r>
+            <a:r>
+              <a:rPr lang="en-US" dirty="0"/>
+              <a:t> </a:t>
+            </a:r>
+            <a:r>
+              <a:rPr lang="en-US" dirty="0">
+                <a:solidFill>
+                  <a:schemeClr val="bg1"/>
+                </a:solidFill>
+              </a:rPr>
+              <a:t>in </a:t>
+            </a:r>
+            <a:r>
+              <a:rPr lang="en-US" dirty="0" err="1">
+                <a:solidFill>
+                  <a:schemeClr val="bg1"/>
+                </a:solidFill>
+              </a:rPr>
+              <a:t>ngOnInit</a:t>
+            </a:r>
+            <a:r>
+              <a:rPr lang="en-US" dirty="0">
+                <a:solidFill>
+                  <a:schemeClr val="bg1"/>
+                </a:solidFill>
+              </a:rPr>
+              <a:t>().</a:t>
+            </a:r>
+          </a:p>
+          <a:p>
+            <a:pPr lvl="1"/>
+            <a:r>
+              <a:rPr lang="en-US" dirty="0">
+                <a:solidFill>
+                  <a:schemeClr val="bg1"/>
+                </a:solidFill>
+              </a:rPr>
+              <a:t>This goes for both student-list and</a:t>
+            </a:r>
+            <a:br>
+              <a:rPr lang="en-US" dirty="0">
+                <a:solidFill>
+                  <a:schemeClr val="bg1"/>
+                </a:solidFill>
+              </a:rPr>
+            </a:br>
+            <a:r>
+              <a:rPr lang="en-US" dirty="0">
+                <a:solidFill>
+                  <a:schemeClr val="bg1"/>
+                </a:solidFill>
+              </a:rPr>
+              <a:t>student-details html.</a:t>
+            </a:r>
+            <a:br>
+              <a:rPr lang="en-US" dirty="0">
+                <a:solidFill>
+                  <a:schemeClr val="bg1"/>
+                </a:solidFill>
+              </a:rPr>
+            </a:br>
+            <a:endParaRPr lang="en-US" dirty="0">
+              <a:solidFill>
+                <a:schemeClr val="bg1"/>
+              </a:solidFill>
+            </a:endParaRPr>
+          </a:p>
+        </p:txBody>
+      </p:sp>
+      <p:pic>
+        <p:nvPicPr>
+          <p:cNvPr id="4" name="Picture 3">
+            <a:extLst>
+              <a:ext uri="{FF2B5EF4-FFF2-40B4-BE49-F238E27FC236}">
+                <a16:creationId xmlns:a16="http://schemas.microsoft.com/office/drawing/2014/main" id="{AAEE6810-81A0-4888-A4D1-11638D585C17}"/>
+              </a:ext>
+            </a:extLst>
+          </p:cNvPr>
+          <p:cNvPicPr>
+            <a:picLocks noChangeAspect="1"/>
+          </p:cNvPicPr>
+          <p:nvPr/>
+        </p:nvPicPr>
+        <p:blipFill>
+          <a:blip r:embed="rId2"/>
+          <a:stretch>
+            <a:fillRect/>
+          </a:stretch>
+        </p:blipFill>
+        <p:spPr>
+          <a:xfrm>
+            <a:off x="6257925" y="3609975"/>
+            <a:ext cx="5934075" cy="3248025"/>
+          </a:xfrm>
+          <a:prstGeom prst="rect">
+            <a:avLst/>
+          </a:prstGeom>
+        </p:spPr>
+      </p:pic>
+    </p:spTree>
+    <p:extLst>
+      <p:ext uri="{BB962C8B-B14F-4D97-AF65-F5344CB8AC3E}">
+        <p14:creationId xmlns:p14="http://schemas.microsoft.com/office/powerpoint/2010/main" val="1623711675"/>
+      </p:ext>
+    </p:extLst>
+  </p:cSld>
+  <p:clrMapOvr>
+    <a:masterClrMapping/>
+  </p:clrMapOvr>
+</p:sld>
+</file>
+
+<file path=ppt/slides/slide14.xml><?xml version="1.0" encoding="utf-8"?>
+<p:sld xmlns:a="http://schemas.openxmlformats.org/drawingml/2006/main" xmlns:r="http://schemas.openxmlformats.org/officeDocument/2006/relationships" xmlns:p="http://schemas.openxmlformats.org/presentationml/2006/main">
+  <p:cSld>
+    <p:spTree>
+      <p:nvGrpSpPr>
+        <p:cNvPr id="1" name=""/>
+        <p:cNvGrpSpPr/>
+        <p:nvPr/>
+      </p:nvGrpSpPr>
+      <p:grpSpPr>
+        <a:xfrm>
+          <a:off x="0" y="0"/>
+          <a:ext cx="0" cy="0"/>
+          <a:chOff x="0" y="0"/>
+          <a:chExt cx="0" cy="0"/>
+        </a:xfrm>
+      </p:grpSpPr>
+      <p:sp>
+        <p:nvSpPr>
+          <p:cNvPr id="2" name="Title 1">
+            <a:extLst>
+              <a:ext uri="{FF2B5EF4-FFF2-40B4-BE49-F238E27FC236}">
+                <a16:creationId xmlns:a16="http://schemas.microsoft.com/office/drawing/2014/main" id="{57CB409B-3FB3-4B18-AB8E-CDC42482B0CF}"/>
+              </a:ext>
+            </a:extLst>
+          </p:cNvPr>
+          <p:cNvSpPr>
+            <a:spLocks noGrp="1"/>
+          </p:cNvSpPr>
+          <p:nvPr>
+            <p:ph type="title"/>
+          </p:nvPr>
+        </p:nvSpPr>
+        <p:spPr/>
+        <p:txBody>
+          <a:bodyPr/>
+          <a:lstStyle/>
+          <a:p>
+            <a:pPr algn="ctr"/>
+            <a:r>
+              <a:rPr lang="en-US" dirty="0"/>
+              <a:t>Conclusion</a:t>
+            </a:r>
+          </a:p>
+        </p:txBody>
+      </p:sp>
+      <p:sp>
+        <p:nvSpPr>
+          <p:cNvPr id="3" name="Content Placeholder 2">
+            <a:extLst>
+              <a:ext uri="{FF2B5EF4-FFF2-40B4-BE49-F238E27FC236}">
+                <a16:creationId xmlns:a16="http://schemas.microsoft.com/office/drawing/2014/main" id="{ACF4656C-645E-4439-B46C-027CDFB59400}"/>
+              </a:ext>
+            </a:extLst>
+          </p:cNvPr>
+          <p:cNvSpPr>
+            <a:spLocks noGrp="1"/>
+          </p:cNvSpPr>
+          <p:nvPr>
+            <p:ph idx="1"/>
+          </p:nvPr>
+        </p:nvSpPr>
+        <p:spPr/>
+        <p:txBody>
+          <a:bodyPr/>
+          <a:lstStyle/>
+          <a:p>
+            <a:r>
+              <a:rPr lang="en-US" dirty="0"/>
+              <a:t>As we see if we add something to the json file it should add it to both pages and there is no need for </a:t>
+            </a:r>
+            <a:r>
+              <a:rPr lang="en-US" dirty="0" err="1"/>
+              <a:t>repeting</a:t>
+            </a:r>
+            <a:r>
+              <a:rPr lang="en-US" dirty="0"/>
+              <a:t> code.</a:t>
+            </a:r>
+          </a:p>
+        </p:txBody>
+      </p:sp>
+      <p:pic>
+        <p:nvPicPr>
+          <p:cNvPr id="4" name="Picture 3">
+            <a:extLst>
+              <a:ext uri="{FF2B5EF4-FFF2-40B4-BE49-F238E27FC236}">
+                <a16:creationId xmlns:a16="http://schemas.microsoft.com/office/drawing/2014/main" id="{8E2497AA-3342-4C52-B9D3-11D8060C54BC}"/>
+              </a:ext>
+            </a:extLst>
+          </p:cNvPr>
+          <p:cNvPicPr>
+            <a:picLocks noChangeAspect="1"/>
+          </p:cNvPicPr>
+          <p:nvPr/>
+        </p:nvPicPr>
+        <p:blipFill>
+          <a:blip r:embed="rId2"/>
+          <a:stretch>
+            <a:fillRect/>
+          </a:stretch>
+        </p:blipFill>
+        <p:spPr>
+          <a:xfrm>
+            <a:off x="7896225" y="3184027"/>
+            <a:ext cx="2933700" cy="3248025"/>
+          </a:xfrm>
+          <a:prstGeom prst="rect">
+            <a:avLst/>
+          </a:prstGeom>
+        </p:spPr>
+      </p:pic>
+      <p:pic>
+        <p:nvPicPr>
+          <p:cNvPr id="5" name="Picture 4">
+            <a:extLst>
+              <a:ext uri="{FF2B5EF4-FFF2-40B4-BE49-F238E27FC236}">
+                <a16:creationId xmlns:a16="http://schemas.microsoft.com/office/drawing/2014/main" id="{D5E55C16-55D9-4F98-9E70-6923F766CF7C}"/>
+              </a:ext>
+            </a:extLst>
+          </p:cNvPr>
+          <p:cNvPicPr>
+            <a:picLocks noChangeAspect="1"/>
+          </p:cNvPicPr>
+          <p:nvPr/>
+        </p:nvPicPr>
+        <p:blipFill>
+          <a:blip r:embed="rId3"/>
+          <a:stretch>
+            <a:fillRect/>
+          </a:stretch>
+        </p:blipFill>
+        <p:spPr>
+          <a:xfrm>
+            <a:off x="247651" y="3317376"/>
+            <a:ext cx="4048125" cy="2981325"/>
+          </a:xfrm>
+          <a:prstGeom prst="rect">
+            <a:avLst/>
+          </a:prstGeom>
+        </p:spPr>
+      </p:pic>
+      <p:pic>
+        <p:nvPicPr>
+          <p:cNvPr id="6" name="Picture 5">
+            <a:extLst>
+              <a:ext uri="{FF2B5EF4-FFF2-40B4-BE49-F238E27FC236}">
+                <a16:creationId xmlns:a16="http://schemas.microsoft.com/office/drawing/2014/main" id="{6804C561-CEE0-4FB4-B7A6-4EC41806E6DA}"/>
+              </a:ext>
+            </a:extLst>
+          </p:cNvPr>
+          <p:cNvPicPr>
+            <a:picLocks noChangeAspect="1"/>
+          </p:cNvPicPr>
+          <p:nvPr/>
+        </p:nvPicPr>
+        <p:blipFill>
+          <a:blip r:embed="rId4"/>
+          <a:stretch>
+            <a:fillRect/>
+          </a:stretch>
+        </p:blipFill>
+        <p:spPr>
+          <a:xfrm>
+            <a:off x="4569619" y="3184027"/>
+            <a:ext cx="3052762" cy="3248025"/>
+          </a:xfrm>
+          <a:prstGeom prst="rect">
+            <a:avLst/>
+          </a:prstGeom>
+        </p:spPr>
+      </p:pic>
+    </p:spTree>
+    <p:extLst>
+      <p:ext uri="{BB962C8B-B14F-4D97-AF65-F5344CB8AC3E}">
+        <p14:creationId xmlns:p14="http://schemas.microsoft.com/office/powerpoint/2010/main" val="3127628093"/>
+      </p:ext>
+    </p:extLst>
+  </p:cSld>
+  <p:clrMapOvr>
+    <a:masterClrMapping/>
+  </p:clrMapOvr>
+</p:sld>
+</file>
+
+<file path=ppt/slides/slide15.xml><?xml version="1.0" encoding="utf-8"?>
+<p:sld xmlns:a="http://schemas.openxmlformats.org/drawingml/2006/main" xmlns:r="http://schemas.openxmlformats.org/officeDocument/2006/relationships" xmlns:p="http://schemas.openxmlformats.org/presentationml/2006/main">
+  <p:cSld>
+    <p:spTree>
+      <p:nvGrpSpPr>
+        <p:cNvPr id="1" name=""/>
+        <p:cNvGrpSpPr/>
+        <p:nvPr/>
+      </p:nvGrpSpPr>
+      <p:grpSpPr>
+        <a:xfrm>
+          <a:off x="0" y="0"/>
+          <a:ext cx="0" cy="0"/>
+          <a:chOff x="0" y="0"/>
+          <a:chExt cx="0" cy="0"/>
+        </a:xfrm>
+      </p:grpSpPr>
+      <p:sp>
+        <p:nvSpPr>
+          <p:cNvPr id="2" name="Title 1">
+            <a:extLst>
+              <a:ext uri="{FF2B5EF4-FFF2-40B4-BE49-F238E27FC236}">
+                <a16:creationId xmlns:a16="http://schemas.microsoft.com/office/drawing/2014/main" id="{BFA40D02-BCE6-490A-83E2-B5C49F7A4E2F}"/>
+              </a:ext>
+            </a:extLst>
+          </p:cNvPr>
+          <p:cNvSpPr>
+            <a:spLocks noGrp="1"/>
+          </p:cNvSpPr>
+          <p:nvPr>
+            <p:ph type="title"/>
+          </p:nvPr>
+        </p:nvSpPr>
+        <p:spPr/>
+        <p:txBody>
+          <a:bodyPr/>
+          <a:lstStyle/>
+          <a:p>
+            <a:pPr algn="ctr"/>
+            <a:r>
+              <a:rPr lang="en-US" dirty="0"/>
+              <a:t>Questions?</a:t>
+            </a:r>
+          </a:p>
+        </p:txBody>
+      </p:sp>
+      <p:pic>
+        <p:nvPicPr>
+          <p:cNvPr id="1026" name="Picture 2" descr="Answering tough interview questions">
+            <a:extLst>
+              <a:ext uri="{FF2B5EF4-FFF2-40B4-BE49-F238E27FC236}">
+                <a16:creationId xmlns:a16="http://schemas.microsoft.com/office/drawing/2014/main" id="{061525DC-F660-4DE7-9061-AB94C74B24EE}"/>
+              </a:ext>
+            </a:extLst>
+          </p:cNvPr>
+          <p:cNvPicPr>
+            <a:picLocks noGrp="1" noChangeAspect="1" noChangeArrowheads="1"/>
+          </p:cNvPicPr>
+          <p:nvPr>
+            <p:ph idx="1"/>
+          </p:nvPr>
+        </p:nvPicPr>
+        <p:blipFill>
+          <a:blip r:embed="rId2">
+            <a:extLst>
+              <a:ext uri="{28A0092B-C50C-407E-A947-70E740481C1C}">
+                <a14:useLocalDpi xmlns:a14="http://schemas.microsoft.com/office/drawing/2010/main" val="0"/>
+              </a:ext>
+            </a:extLst>
+          </a:blip>
+          <a:srcRect/>
+          <a:stretch>
+            <a:fillRect/>
+          </a:stretch>
+        </p:blipFill>
+        <p:spPr bwMode="auto">
+          <a:xfrm>
+            <a:off x="3001963" y="2198043"/>
+            <a:ext cx="6799262" cy="4136082"/>
+          </a:xfrm>
+          <a:prstGeom prst="rect">
+            <a:avLst/>
+          </a:prstGeom>
+          <a:noFill/>
+          <a:extLst>
+            <a:ext uri="{909E8E84-426E-40DD-AFC4-6F175D3DCCD1}">
+              <a14:hiddenFill xmlns:a14="http://schemas.microsoft.com/office/drawing/2010/main">
+                <a:solidFill>
+                  <a:srgbClr val="FFFFFF"/>
+                </a:solidFill>
+              </a14:hiddenFill>
+            </a:ext>
+          </a:extLst>
+        </p:spPr>
+      </p:pic>
+    </p:spTree>
+    <p:extLst>
+      <p:ext uri="{BB962C8B-B14F-4D97-AF65-F5344CB8AC3E}">
+        <p14:creationId xmlns:p14="http://schemas.microsoft.com/office/powerpoint/2010/main" val="2395233670"/>
+      </p:ext>
+    </p:extLst>
+  </p:cSld>
+  <p:clrMapOvr>
+    <a:masterClrMapping/>
+  </p:clrMapOvr>
+</p:sld>
+</file>
+
+<file path=ppt/slides/slide2.xml><?xml version="1.0" encoding="utf-8"?>
+<p:sld xmlns:a="http://schemas.openxmlformats.org/drawingml/2006/main" xmlns:r="http://schemas.openxmlformats.org/officeDocument/2006/relationships" xmlns:p="http://schemas.openxmlformats.org/presentationml/2006/main">
+  <p:cSld>
+    <p:spTree>
+      <p:nvGrpSpPr>
+        <p:cNvPr id="1" name=""/>
+        <p:cNvGrpSpPr/>
+        <p:nvPr/>
+      </p:nvGrpSpPr>
+      <p:grpSpPr>
+        <a:xfrm>
+          <a:off x="0" y="0"/>
+          <a:ext cx="0" cy="0"/>
+          <a:chOff x="0" y="0"/>
+          <a:chExt cx="0" cy="0"/>
+        </a:xfrm>
+      </p:grpSpPr>
+      <p:sp>
+        <p:nvSpPr>
+          <p:cNvPr id="2" name="Title 1">
+            <a:extLst>
+              <a:ext uri="{FF2B5EF4-FFF2-40B4-BE49-F238E27FC236}">
+                <a16:creationId xmlns:a16="http://schemas.microsoft.com/office/drawing/2014/main" id="{E97488C8-04C5-4D2A-921F-9A2247F531A2}"/>
+              </a:ext>
+            </a:extLst>
+          </p:cNvPr>
+          <p:cNvSpPr>
+            <a:spLocks noGrp="1"/>
+          </p:cNvSpPr>
+          <p:nvPr>
+            <p:ph type="title"/>
+          </p:nvPr>
+        </p:nvSpPr>
+        <p:spPr/>
+        <p:txBody>
+          <a:bodyPr/>
+          <a:lstStyle/>
+          <a:p>
+            <a:pPr algn="ctr"/>
+            <a:r>
+              <a:rPr lang="en-US" dirty="0"/>
+              <a:t>Prerequisites</a:t>
+            </a:r>
+          </a:p>
+        </p:txBody>
+      </p:sp>
+      <p:sp>
+        <p:nvSpPr>
+          <p:cNvPr id="3" name="Content Placeholder 2">
+            <a:extLst>
+              <a:ext uri="{FF2B5EF4-FFF2-40B4-BE49-F238E27FC236}">
+                <a16:creationId xmlns:a16="http://schemas.microsoft.com/office/drawing/2014/main" id="{1510CADC-CC12-4614-90FF-D002B560CA86}"/>
+              </a:ext>
+            </a:extLst>
+          </p:cNvPr>
+          <p:cNvSpPr>
+            <a:spLocks noGrp="1"/>
+          </p:cNvSpPr>
+          <p:nvPr>
+            <p:ph idx="1"/>
+          </p:nvPr>
+        </p:nvSpPr>
+        <p:spPr/>
+        <p:txBody>
+          <a:bodyPr/>
+          <a:lstStyle/>
+          <a:p>
+            <a:r>
+              <a:rPr lang="en-US" sz="2000" u="sng" dirty="0">
+                <a:solidFill>
+                  <a:schemeClr val="bg1"/>
+                </a:solidFill>
+              </a:rPr>
+              <a:t>Install </a:t>
+            </a:r>
+            <a:r>
+              <a:rPr lang="en-US" sz="2000" u="sng" dirty="0">
+                <a:hlinkClick r:id="rId2"/>
+              </a:rPr>
+              <a:t>NodeJS</a:t>
+            </a:r>
+            <a:endParaRPr lang="en-US" sz="1800" dirty="0"/>
+          </a:p>
+          <a:p>
+            <a:r>
+              <a:rPr lang="en-US" sz="2000" u="sng" dirty="0">
+                <a:solidFill>
+                  <a:schemeClr val="bg1"/>
+                </a:solidFill>
+              </a:rPr>
+              <a:t>Command Prompt/terminal</a:t>
+            </a:r>
+          </a:p>
+          <a:p>
+            <a:pPr marL="800100" lvl="1" indent="-342900"/>
+            <a:r>
+              <a:rPr lang="en-US" sz="1400" dirty="0">
+                <a:solidFill>
+                  <a:schemeClr val="bg1"/>
+                </a:solidFill>
+              </a:rPr>
+              <a:t>Check node version using the </a:t>
+            </a:r>
+            <a:r>
+              <a:rPr lang="en-US" sz="1600" b="1" i="1" dirty="0">
+                <a:solidFill>
+                  <a:schemeClr val="bg1"/>
+                </a:solidFill>
+              </a:rPr>
+              <a:t>node –v</a:t>
+            </a:r>
+            <a:r>
+              <a:rPr lang="en-US" sz="1400" b="1" i="1" dirty="0">
+                <a:solidFill>
+                  <a:schemeClr val="bg1"/>
+                </a:solidFill>
+              </a:rPr>
+              <a:t> </a:t>
+            </a:r>
+            <a:r>
+              <a:rPr lang="en-US" sz="1400" dirty="0">
+                <a:solidFill>
+                  <a:schemeClr val="bg1"/>
+                </a:solidFill>
+              </a:rPr>
+              <a:t>command</a:t>
+            </a:r>
+          </a:p>
+          <a:p>
+            <a:pPr marL="800100" lvl="1" indent="-342900"/>
+            <a:r>
+              <a:rPr lang="en-US" sz="1400" dirty="0">
+                <a:solidFill>
+                  <a:schemeClr val="bg1"/>
+                </a:solidFill>
+              </a:rPr>
+              <a:t>To check if you have </a:t>
+            </a:r>
+            <a:r>
+              <a:rPr lang="en-US" sz="1400" dirty="0" err="1">
+                <a:solidFill>
+                  <a:schemeClr val="bg1"/>
+                </a:solidFill>
+              </a:rPr>
+              <a:t>npm</a:t>
+            </a:r>
+            <a:r>
+              <a:rPr lang="en-US" sz="1400" dirty="0">
+                <a:solidFill>
+                  <a:schemeClr val="bg1"/>
+                </a:solidFill>
+              </a:rPr>
+              <a:t> run the </a:t>
+            </a:r>
+            <a:r>
+              <a:rPr lang="en-US" sz="1600" b="1" i="1" dirty="0" err="1">
+                <a:solidFill>
+                  <a:schemeClr val="bg1"/>
+                </a:solidFill>
+              </a:rPr>
+              <a:t>npm</a:t>
+            </a:r>
+            <a:r>
+              <a:rPr lang="en-US" sz="1600" b="1" i="1" dirty="0">
+                <a:solidFill>
+                  <a:schemeClr val="bg1"/>
+                </a:solidFill>
+              </a:rPr>
+              <a:t> –v </a:t>
+            </a:r>
+            <a:r>
+              <a:rPr lang="en-US" sz="1400" dirty="0">
+                <a:solidFill>
+                  <a:schemeClr val="bg1"/>
+                </a:solidFill>
+              </a:rPr>
+              <a:t>to see if it is installed</a:t>
+            </a:r>
+          </a:p>
+          <a:p>
+            <a:pPr marL="800100" lvl="1" indent="-342900"/>
+            <a:r>
+              <a:rPr lang="en-US" sz="1600" b="1" i="1" dirty="0" err="1">
+                <a:solidFill>
+                  <a:schemeClr val="bg1"/>
+                </a:solidFill>
+              </a:rPr>
+              <a:t>npm</a:t>
+            </a:r>
+            <a:r>
+              <a:rPr lang="en-US" sz="1600" b="1" i="1" dirty="0">
+                <a:solidFill>
+                  <a:schemeClr val="bg1"/>
+                </a:solidFill>
+              </a:rPr>
+              <a:t> install -g @angular/cli</a:t>
+            </a:r>
+            <a:r>
+              <a:rPr lang="en-US" sz="1400" b="1" i="1" dirty="0">
+                <a:solidFill>
+                  <a:schemeClr val="bg1"/>
+                </a:solidFill>
+              </a:rPr>
+              <a:t> </a:t>
+            </a:r>
+            <a:r>
+              <a:rPr lang="en-US" sz="1400" dirty="0">
+                <a:solidFill>
+                  <a:schemeClr val="bg1"/>
+                </a:solidFill>
+              </a:rPr>
+              <a:t>to install Angular CLI</a:t>
+            </a:r>
+          </a:p>
+          <a:p>
+            <a:pPr marL="1257300" lvl="2" indent="-342900"/>
+            <a:r>
+              <a:rPr lang="en-US" sz="1200" dirty="0">
+                <a:solidFill>
+                  <a:schemeClr val="bg1"/>
+                </a:solidFill>
+              </a:rPr>
+              <a:t>NOTE: </a:t>
+            </a:r>
+            <a:r>
+              <a:rPr lang="en-US" sz="1400" b="1" i="1" dirty="0" err="1">
+                <a:solidFill>
+                  <a:schemeClr val="bg1"/>
+                </a:solidFill>
+              </a:rPr>
+              <a:t>npm</a:t>
+            </a:r>
+            <a:r>
+              <a:rPr lang="en-US" sz="1400" b="1" i="1" dirty="0">
+                <a:solidFill>
+                  <a:schemeClr val="bg1"/>
+                </a:solidFill>
+              </a:rPr>
+              <a:t> install</a:t>
+            </a:r>
+            <a:r>
+              <a:rPr lang="en-US" sz="1200" dirty="0">
+                <a:solidFill>
+                  <a:schemeClr val="bg1"/>
+                </a:solidFill>
+              </a:rPr>
+              <a:t> installs all necessary </a:t>
+            </a:r>
+            <a:r>
+              <a:rPr lang="en-US" sz="1200" dirty="0" err="1">
+                <a:solidFill>
+                  <a:schemeClr val="bg1"/>
+                </a:solidFill>
+              </a:rPr>
+              <a:t>dependancies</a:t>
+            </a:r>
+            <a:endParaRPr lang="en-US" sz="1200" dirty="0">
+              <a:solidFill>
+                <a:schemeClr val="bg1"/>
+              </a:solidFill>
+            </a:endParaRPr>
+          </a:p>
+          <a:p>
+            <a:pPr marL="800100" lvl="1" indent="-342900"/>
+            <a:r>
+              <a:rPr lang="en-US" sz="1400" dirty="0">
+                <a:solidFill>
+                  <a:schemeClr val="bg1"/>
+                </a:solidFill>
+              </a:rPr>
+              <a:t>Type </a:t>
+            </a:r>
+            <a:r>
+              <a:rPr lang="en-US" sz="1600" b="1" i="1" dirty="0">
+                <a:solidFill>
+                  <a:schemeClr val="bg1"/>
+                </a:solidFill>
+              </a:rPr>
+              <a:t>ng version</a:t>
+            </a:r>
+            <a:r>
+              <a:rPr lang="en-US" sz="1600" dirty="0">
+                <a:solidFill>
+                  <a:schemeClr val="bg1"/>
+                </a:solidFill>
+              </a:rPr>
+              <a:t> </a:t>
+            </a:r>
+            <a:r>
+              <a:rPr lang="en-US" sz="1400" dirty="0">
+                <a:solidFill>
+                  <a:schemeClr val="bg1"/>
+                </a:solidFill>
+              </a:rPr>
+              <a:t>to check the version of Angular CLI</a:t>
+            </a:r>
+          </a:p>
+          <a:p>
+            <a:pPr marL="0" lvl="8" indent="0">
+              <a:buNone/>
+            </a:pPr>
+            <a:endParaRPr lang="en-US" dirty="0"/>
+          </a:p>
+          <a:p>
+            <a:pPr marL="285750" lvl="8" indent="-285750"/>
+            <a:r>
+              <a:rPr lang="en-US" sz="2000" u="sng" dirty="0">
+                <a:solidFill>
+                  <a:schemeClr val="bg1"/>
+                </a:solidFill>
+              </a:rPr>
+              <a:t>We will use </a:t>
+            </a:r>
+            <a:r>
+              <a:rPr lang="en-US" sz="2000" u="sng" dirty="0">
+                <a:hlinkClick r:id="rId3"/>
+              </a:rPr>
+              <a:t>VS Code</a:t>
+            </a:r>
+            <a:r>
+              <a:rPr lang="en-US" sz="2000" u="sng" dirty="0">
+                <a:solidFill>
+                  <a:schemeClr val="bg1"/>
+                </a:solidFill>
+              </a:rPr>
+              <a:t> and </a:t>
+            </a:r>
+            <a:r>
+              <a:rPr lang="en-US" sz="2000" u="sng" dirty="0" err="1">
+                <a:hlinkClick r:id="rId4"/>
+              </a:rPr>
+              <a:t>Gitbash</a:t>
+            </a:r>
+            <a:r>
+              <a:rPr lang="en-US" sz="2000" u="sng" dirty="0">
+                <a:solidFill>
+                  <a:schemeClr val="bg1"/>
+                </a:solidFill>
+              </a:rPr>
+              <a:t> for this workshop</a:t>
+            </a:r>
+            <a:endParaRPr lang="en-US" dirty="0">
+              <a:solidFill>
+                <a:schemeClr val="bg1"/>
+              </a:solidFill>
+            </a:endParaRPr>
+          </a:p>
+        </p:txBody>
+      </p:sp>
+    </p:spTree>
+    <p:extLst>
+      <p:ext uri="{BB962C8B-B14F-4D97-AF65-F5344CB8AC3E}">
+        <p14:creationId xmlns:p14="http://schemas.microsoft.com/office/powerpoint/2010/main" val="2709407548"/>
       </p:ext>
     </p:extLst>
   </p:cSld>
@@ -9344,7 +10027,7 @@
           <p:cNvPr id="2" name="Title 1">
             <a:extLst>
               <a:ext uri="{FF2B5EF4-FFF2-40B4-BE49-F238E27FC236}">
-                <a16:creationId xmlns:a16="http://schemas.microsoft.com/office/drawing/2014/main" id="{7554EC2E-633F-4124-98EF-1CB66F6ACC6B}"/>
+                <a16:creationId xmlns:a16="http://schemas.microsoft.com/office/drawing/2014/main" id="{CB6F5EC1-D7E9-4338-83F4-5EAD8448EF29}"/>
               </a:ext>
             </a:extLst>
           </p:cNvPr>
@@ -9355,15 +10038,21 @@
             <p:ph type="title"/>
           </p:nvPr>
         </p:nvSpPr>
-        <p:spPr/>
-        <p:txBody>
-          <a:bodyPr/>
+        <p:spPr>
+          <a:xfrm>
+            <a:off x="680321" y="753228"/>
+            <a:ext cx="4136123" cy="1080938"/>
+          </a:xfrm>
+        </p:spPr>
+        <p:txBody>
+          <a:bodyPr>
+            <a:normAutofit/>
+          </a:bodyPr>
           <a:lstStyle/>
           <a:p>
-            <a:pPr algn="ctr"/>
-            <a:r>
-              <a:rPr lang="en-US" dirty="0"/>
-              <a:t>Why is the Code Wrong?</a:t>
+            <a:r>
+              <a:rPr lang="en-US" sz="2400"/>
+              <a:t>GitHub</a:t>
             </a:r>
           </a:p>
         </p:txBody>
@@ -9373,7 +10062,7 @@
           <p:cNvPr id="3" name="Content Placeholder 2">
             <a:extLst>
               <a:ext uri="{FF2B5EF4-FFF2-40B4-BE49-F238E27FC236}">
-                <a16:creationId xmlns:a16="http://schemas.microsoft.com/office/drawing/2014/main" id="{A3356691-AA8E-42FB-9537-9AC4B15333DE}"/>
+                <a16:creationId xmlns:a16="http://schemas.microsoft.com/office/drawing/2014/main" id="{140193F6-78E5-46BB-8973-08B0C3F6332F}"/>
               </a:ext>
             </a:extLst>
           </p:cNvPr>
@@ -9384,85 +10073,280 @@
             <p:ph idx="1"/>
           </p:nvPr>
         </p:nvSpPr>
-        <p:spPr/>
-        <p:txBody>
-          <a:bodyPr/>
+        <p:spPr>
+          <a:xfrm>
+            <a:off x="142985" y="2378494"/>
+            <a:ext cx="5129929" cy="3599316"/>
+          </a:xfrm>
+        </p:spPr>
+        <p:txBody>
+          <a:bodyPr>
+            <a:normAutofit/>
+          </a:bodyPr>
           <a:lstStyle/>
           <a:p>
-            <a:r>
-              <a:rPr lang="en-US" dirty="0">
-                <a:solidFill>
-                  <a:schemeClr val="bg1"/>
-                </a:solidFill>
-              </a:rPr>
-              <a:t>Dry – Don’t Repeat Yourself</a:t>
-            </a:r>
-          </a:p>
-          <a:p>
-            <a:pPr lvl="1"/>
-            <a:r>
-              <a:rPr lang="en-US" dirty="0">
-                <a:solidFill>
-                  <a:schemeClr val="bg1"/>
-                </a:solidFill>
-              </a:rPr>
-              <a:t>Making copies of the code </a:t>
-            </a:r>
-          </a:p>
-          <a:p>
-            <a:pPr lvl="1"/>
-            <a:r>
-              <a:rPr lang="en-US" dirty="0">
-                <a:solidFill>
-                  <a:schemeClr val="bg1"/>
-                </a:solidFill>
-              </a:rPr>
-              <a:t>Revisiting multiple classes for the same code</a:t>
-            </a:r>
-          </a:p>
-          <a:p>
-            <a:pPr marL="457200" lvl="1" indent="0">
-              <a:buNone/>
+            <a:pPr marL="286110" indent="-285750">
+              <a:spcBef>
+                <a:spcPts val="1001"/>
+              </a:spcBef>
+              <a:buClr>
+                <a:srgbClr val="FFFFFF"/>
+              </a:buClr>
             </a:pPr>
-            <a:endParaRPr lang="en-US" dirty="0"/>
-          </a:p>
-          <a:p>
-            <a:pPr marL="457200" lvl="1" indent="0">
-              <a:buNone/>
-            </a:pPr>
-            <a:endParaRPr lang="en-US" dirty="0">
+            <a:r>
+              <a:rPr lang="en-US" sz="1800" spc="-1" dirty="0">
+                <a:solidFill>
+                  <a:srgbClr val="FFFFFF"/>
+                </a:solidFill>
+              </a:rPr>
+              <a:t>git clone </a:t>
+            </a:r>
+            <a:r>
+              <a:rPr lang="en-US" sz="1800" u="sng" spc="-1" dirty="0">
+                <a:solidFill>
+                  <a:srgbClr val="FFAE3E"/>
+                </a:solidFill>
+                <a:hlinkClick r:id="rId2"/>
+              </a:rPr>
+              <a:t>https://github.com/KidLanz/SID.git</a:t>
+            </a:r>
+            <a:endParaRPr lang="en-US" spc="-1" dirty="0">
               <a:solidFill>
-                <a:schemeClr val="bg1"/>
+                <a:srgbClr val="FFFFFF"/>
               </a:solidFill>
             </a:endParaRPr>
           </a:p>
           <a:p>
-            <a:r>
-              <a:rPr lang="en-US" dirty="0">
-                <a:solidFill>
-                  <a:schemeClr val="bg1"/>
-                </a:solidFill>
-              </a:rPr>
-              <a:t>Modeling – grabbing and manipulation of data</a:t>
-            </a:r>
-          </a:p>
-          <a:p>
-            <a:pPr lvl="1"/>
-            <a:r>
-              <a:rPr lang="en-US" dirty="0">
-                <a:solidFill>
-                  <a:schemeClr val="bg1"/>
-                </a:solidFill>
-              </a:rPr>
-              <a:t>This is where we interact with the database/communicates with controller</a:t>
-            </a:r>
-          </a:p>
-        </p:txBody>
-      </p:sp>
+            <a:pPr indent="-228240">
+              <a:spcBef>
+                <a:spcPts val="1001"/>
+              </a:spcBef>
+              <a:buClr>
+                <a:srgbClr val="FFFFFF"/>
+              </a:buClr>
+              <a:buFont typeface="Arial"/>
+              <a:buChar char="•"/>
+            </a:pPr>
+            <a:r>
+              <a:rPr lang="en-US" sz="1800" spc="-1" dirty="0">
+                <a:solidFill>
+                  <a:srgbClr val="FFFFFF"/>
+                </a:solidFill>
+              </a:rPr>
+              <a:t>Command Prompt/Terminal:</a:t>
+            </a:r>
+          </a:p>
+          <a:p>
+            <a:pPr lvl="1" indent="-228240">
+              <a:spcBef>
+                <a:spcPts val="499"/>
+              </a:spcBef>
+              <a:buClr>
+                <a:srgbClr val="FFFFFF"/>
+              </a:buClr>
+              <a:buFont typeface="Arial"/>
+              <a:buChar char="•"/>
+            </a:pPr>
+            <a:r>
+              <a:rPr lang="en-US" sz="1400" spc="-1" dirty="0">
+                <a:solidFill>
+                  <a:srgbClr val="FFFFFF"/>
+                </a:solidFill>
+              </a:rPr>
+              <a:t>cd Desktop/demo/SID</a:t>
+            </a:r>
+          </a:p>
+          <a:p>
+            <a:pPr lvl="1" indent="-228240">
+              <a:spcBef>
+                <a:spcPts val="499"/>
+              </a:spcBef>
+              <a:buClr>
+                <a:srgbClr val="FFFFFF"/>
+              </a:buClr>
+              <a:buFont typeface="Arial"/>
+              <a:buChar char="•"/>
+            </a:pPr>
+            <a:r>
+              <a:rPr lang="en-US" sz="1400" spc="-1" dirty="0">
+                <a:solidFill>
+                  <a:srgbClr val="FFFFFF"/>
+                </a:solidFill>
+              </a:rPr>
+              <a:t>code .</a:t>
+            </a:r>
+          </a:p>
+          <a:p>
+            <a:pPr lvl="2" indent="-228240">
+              <a:spcBef>
+                <a:spcPts val="499"/>
+              </a:spcBef>
+              <a:buClr>
+                <a:srgbClr val="FFFFFF"/>
+              </a:buClr>
+              <a:buFont typeface="Arial"/>
+              <a:buChar char="•"/>
+            </a:pPr>
+            <a:r>
+              <a:rPr lang="en-US" sz="1400" spc="-1" dirty="0">
+                <a:solidFill>
+                  <a:srgbClr val="FFFFFF"/>
+                </a:solidFill>
+              </a:rPr>
+              <a:t>NOTE: this is to open </a:t>
+            </a:r>
+            <a:r>
+              <a:rPr lang="en-US" sz="1400" spc="-1" dirty="0" err="1">
+                <a:solidFill>
+                  <a:srgbClr val="FFFFFF"/>
+                </a:solidFill>
+              </a:rPr>
+              <a:t>VScode</a:t>
+            </a:r>
+            <a:r>
+              <a:rPr lang="en-US" sz="1400" spc="-1" dirty="0">
+                <a:solidFill>
+                  <a:srgbClr val="FFFFFF"/>
+                </a:solidFill>
+              </a:rPr>
+              <a:t> in the command prompt </a:t>
+            </a:r>
+          </a:p>
+          <a:p>
+            <a:pPr lvl="1" indent="-228240">
+              <a:spcBef>
+                <a:spcPts val="499"/>
+              </a:spcBef>
+              <a:buClr>
+                <a:srgbClr val="FFFFFF"/>
+              </a:buClr>
+              <a:buFont typeface="Arial"/>
+              <a:buChar char="•"/>
+            </a:pPr>
+            <a:r>
+              <a:rPr lang="en-US" sz="1400" spc="-1" dirty="0" err="1">
+                <a:solidFill>
+                  <a:srgbClr val="FFFFFF"/>
+                </a:solidFill>
+              </a:rPr>
+              <a:t>npm</a:t>
+            </a:r>
+            <a:r>
+              <a:rPr lang="en-US" sz="1400" spc="-1" dirty="0">
+                <a:solidFill>
+                  <a:srgbClr val="FFFFFF"/>
+                </a:solidFill>
+              </a:rPr>
+              <a:t> install</a:t>
+            </a:r>
+          </a:p>
+          <a:p>
+            <a:pPr lvl="2" indent="-228240">
+              <a:spcBef>
+                <a:spcPts val="499"/>
+              </a:spcBef>
+              <a:buClr>
+                <a:srgbClr val="FFFFFF"/>
+              </a:buClr>
+              <a:buFont typeface="Arial"/>
+              <a:buChar char="•"/>
+            </a:pPr>
+            <a:r>
+              <a:rPr lang="en-US" sz="1400" spc="-1" dirty="0">
+                <a:solidFill>
+                  <a:srgbClr val="FFFFFF"/>
+                </a:solidFill>
+              </a:rPr>
+              <a:t>NOTE: This is to install it into the folder</a:t>
+            </a:r>
+          </a:p>
+          <a:p>
+            <a:pPr lvl="1" indent="-228240">
+              <a:spcBef>
+                <a:spcPts val="499"/>
+              </a:spcBef>
+              <a:buClr>
+                <a:srgbClr val="FFFFFF"/>
+              </a:buClr>
+              <a:buFont typeface="Arial"/>
+              <a:buChar char="•"/>
+            </a:pPr>
+            <a:r>
+              <a:rPr lang="en-US" sz="1400" spc="-1" dirty="0">
+                <a:solidFill>
+                  <a:srgbClr val="FFFFFF"/>
+                </a:solidFill>
+              </a:rPr>
+              <a:t>ng serve –o</a:t>
+            </a:r>
+          </a:p>
+          <a:p>
+            <a:pPr lvl="2" indent="-228240">
+              <a:spcBef>
+                <a:spcPts val="499"/>
+              </a:spcBef>
+              <a:buClr>
+                <a:srgbClr val="FFFFFF"/>
+              </a:buClr>
+              <a:buFont typeface="Arial"/>
+              <a:buChar char="•"/>
+            </a:pPr>
+            <a:r>
+              <a:rPr lang="en-US" sz="1400" spc="-1" dirty="0">
+                <a:solidFill>
+                  <a:srgbClr val="FFFFFF"/>
+                </a:solidFill>
+              </a:rPr>
+              <a:t>This is to open the html to browser</a:t>
+            </a:r>
+            <a:endParaRPr lang="en-US" sz="1200" dirty="0"/>
+          </a:p>
+        </p:txBody>
+      </p:sp>
+      <p:pic>
+        <p:nvPicPr>
+          <p:cNvPr id="5" name="Picture 4">
+            <a:extLst>
+              <a:ext uri="{FF2B5EF4-FFF2-40B4-BE49-F238E27FC236}">
+                <a16:creationId xmlns:a16="http://schemas.microsoft.com/office/drawing/2014/main" id="{504E8595-37D7-4FCF-BD5B-3BB9157B9E1E}"/>
+              </a:ext>
+            </a:extLst>
+          </p:cNvPr>
+          <p:cNvPicPr>
+            <a:picLocks noChangeAspect="1"/>
+          </p:cNvPicPr>
+          <p:nvPr/>
+        </p:nvPicPr>
+        <p:blipFill>
+          <a:blip r:embed="rId3"/>
+          <a:stretch>
+            <a:fillRect/>
+          </a:stretch>
+        </p:blipFill>
+        <p:spPr>
+          <a:xfrm>
+            <a:off x="5271436" y="2466974"/>
+            <a:ext cx="6920564" cy="4391025"/>
+          </a:xfrm>
+          <a:prstGeom prst="rect">
+            <a:avLst/>
+          </a:prstGeom>
+          <a:ln>
+            <a:noFill/>
+          </a:ln>
+          <a:effectLst>
+            <a:outerShdw blurRad="76200" dist="63500" dir="5040000" algn="tl" rotWithShape="0">
+              <a:srgbClr val="000000">
+                <a:alpha val="41000"/>
+              </a:srgbClr>
+            </a:outerShdw>
+          </a:effectLst>
+        </p:spPr>
+      </p:pic>
     </p:spTree>
     <p:extLst>
       <p:ext uri="{BB962C8B-B14F-4D97-AF65-F5344CB8AC3E}">
-        <p14:creationId xmlns:p14="http://schemas.microsoft.com/office/powerpoint/2010/main" val="2963357641"/>
+        <p14:creationId xmlns:p14="http://schemas.microsoft.com/office/powerpoint/2010/main" val="3548078751"/>
       </p:ext>
     </p:extLst>
   </p:cSld>
@@ -9494,6 +10378,222 @@
           <p:cNvPr id="2" name="Title 1">
             <a:extLst>
               <a:ext uri="{FF2B5EF4-FFF2-40B4-BE49-F238E27FC236}">
+                <a16:creationId xmlns:a16="http://schemas.microsoft.com/office/drawing/2014/main" id="{7554EC2E-633F-4124-98EF-1CB66F6ACC6B}"/>
+              </a:ext>
+            </a:extLst>
+          </p:cNvPr>
+          <p:cNvSpPr>
+            <a:spLocks noGrp="1"/>
+          </p:cNvSpPr>
+          <p:nvPr>
+            <p:ph type="title"/>
+          </p:nvPr>
+        </p:nvSpPr>
+        <p:spPr/>
+        <p:txBody>
+          <a:bodyPr/>
+          <a:lstStyle/>
+          <a:p>
+            <a:pPr algn="ctr"/>
+            <a:r>
+              <a:rPr lang="en-US" dirty="0"/>
+              <a:t>Why is the Code Wrong?</a:t>
+            </a:r>
+          </a:p>
+        </p:txBody>
+      </p:sp>
+      <p:sp>
+        <p:nvSpPr>
+          <p:cNvPr id="3" name="Content Placeholder 2">
+            <a:extLst>
+              <a:ext uri="{FF2B5EF4-FFF2-40B4-BE49-F238E27FC236}">
+                <a16:creationId xmlns:a16="http://schemas.microsoft.com/office/drawing/2014/main" id="{A3356691-AA8E-42FB-9537-9AC4B15333DE}"/>
+              </a:ext>
+            </a:extLst>
+          </p:cNvPr>
+          <p:cNvSpPr>
+            <a:spLocks noGrp="1"/>
+          </p:cNvSpPr>
+          <p:nvPr>
+            <p:ph idx="1"/>
+          </p:nvPr>
+        </p:nvSpPr>
+        <p:spPr/>
+        <p:txBody>
+          <a:bodyPr/>
+          <a:lstStyle/>
+          <a:p>
+            <a:r>
+              <a:rPr lang="en-US" dirty="0">
+                <a:solidFill>
+                  <a:schemeClr val="bg1"/>
+                </a:solidFill>
+              </a:rPr>
+              <a:t>D.R.Y. – Don’t Repeat Yourself</a:t>
+            </a:r>
+          </a:p>
+          <a:p>
+            <a:pPr lvl="1"/>
+            <a:r>
+              <a:rPr lang="en-US" dirty="0">
+                <a:solidFill>
+                  <a:schemeClr val="bg1"/>
+                </a:solidFill>
+              </a:rPr>
+              <a:t>Making copies of the code </a:t>
+            </a:r>
+          </a:p>
+          <a:p>
+            <a:pPr lvl="1"/>
+            <a:r>
+              <a:rPr lang="en-US" dirty="0">
+                <a:solidFill>
+                  <a:schemeClr val="bg1"/>
+                </a:solidFill>
+              </a:rPr>
+              <a:t>Revisiting multiple classes for the same code</a:t>
+            </a:r>
+          </a:p>
+          <a:p>
+            <a:pPr marL="457200" lvl="1" indent="0">
+              <a:buNone/>
+            </a:pPr>
+            <a:endParaRPr lang="en-US" dirty="0"/>
+          </a:p>
+          <a:p>
+            <a:pPr marL="457200" lvl="1" indent="0">
+              <a:buNone/>
+            </a:pPr>
+            <a:endParaRPr lang="en-US" dirty="0">
+              <a:solidFill>
+                <a:schemeClr val="bg1"/>
+              </a:solidFill>
+            </a:endParaRPr>
+          </a:p>
+          <a:p>
+            <a:r>
+              <a:rPr lang="en-US" dirty="0">
+                <a:solidFill>
+                  <a:schemeClr val="bg1"/>
+                </a:solidFill>
+              </a:rPr>
+              <a:t>Modeling – grabbing and manipulation of data</a:t>
+            </a:r>
+          </a:p>
+          <a:p>
+            <a:pPr lvl="1"/>
+            <a:r>
+              <a:rPr lang="en-US" dirty="0">
+                <a:solidFill>
+                  <a:schemeClr val="bg1"/>
+                </a:solidFill>
+              </a:rPr>
+              <a:t>This is where we interact with the database/communicates with controller</a:t>
+            </a:r>
+          </a:p>
+        </p:txBody>
+      </p:sp>
+    </p:spTree>
+    <p:extLst>
+      <p:ext uri="{BB962C8B-B14F-4D97-AF65-F5344CB8AC3E}">
+        <p14:creationId xmlns:p14="http://schemas.microsoft.com/office/powerpoint/2010/main" val="2963357641"/>
+      </p:ext>
+    </p:extLst>
+  </p:cSld>
+  <p:clrMapOvr>
+    <a:masterClrMapping/>
+  </p:clrMapOvr>
+</p:sld>
+</file>
+
+<file path=ppt/slides/slide5.xml><?xml version="1.0" encoding="utf-8"?>
+<p:sld xmlns:a="http://schemas.openxmlformats.org/drawingml/2006/main" xmlns:r="http://schemas.openxmlformats.org/officeDocument/2006/relationships" xmlns:p="http://schemas.openxmlformats.org/presentationml/2006/main">
+  <p:cSld>
+    <p:spTree>
+      <p:nvGrpSpPr>
+        <p:cNvPr id="1" name=""/>
+        <p:cNvGrpSpPr/>
+        <p:nvPr/>
+      </p:nvGrpSpPr>
+      <p:grpSpPr>
+        <a:xfrm>
+          <a:off x="0" y="0"/>
+          <a:ext cx="0" cy="0"/>
+          <a:chOff x="0" y="0"/>
+          <a:chExt cx="0" cy="0"/>
+        </a:xfrm>
+      </p:grpSpPr>
+      <p:pic>
+        <p:nvPicPr>
+          <p:cNvPr id="3" name="Picture 2" descr="Text&#10;&#10;Description automatically generated">
+            <a:extLst>
+              <a:ext uri="{FF2B5EF4-FFF2-40B4-BE49-F238E27FC236}">
+                <a16:creationId xmlns:a16="http://schemas.microsoft.com/office/drawing/2014/main" id="{A37A39CD-9AB8-485A-94CB-71322DA50ABE}"/>
+              </a:ext>
+            </a:extLst>
+          </p:cNvPr>
+          <p:cNvPicPr>
+            <a:picLocks noChangeAspect="1"/>
+          </p:cNvPicPr>
+          <p:nvPr/>
+        </p:nvPicPr>
+        <p:blipFill>
+          <a:blip r:embed="rId2">
+            <a:extLst>
+              <a:ext uri="{28A0092B-C50C-407E-A947-70E740481C1C}">
+                <a14:useLocalDpi xmlns:a14="http://schemas.microsoft.com/office/drawing/2010/main" val="0"/>
+              </a:ext>
+            </a:extLst>
+          </a:blip>
+          <a:stretch>
+            <a:fillRect/>
+          </a:stretch>
+        </p:blipFill>
+        <p:spPr>
+          <a:xfrm>
+            <a:off x="0" y="0"/>
+            <a:ext cx="12230100" cy="6858000"/>
+          </a:xfrm>
+          <a:prstGeom prst="rect">
+            <a:avLst/>
+          </a:prstGeom>
+        </p:spPr>
+      </p:pic>
+    </p:spTree>
+    <p:extLst>
+      <p:ext uri="{BB962C8B-B14F-4D97-AF65-F5344CB8AC3E}">
+        <p14:creationId xmlns:p14="http://schemas.microsoft.com/office/powerpoint/2010/main" val="3972844266"/>
+      </p:ext>
+    </p:extLst>
+  </p:cSld>
+  <p:clrMapOvr>
+    <a:masterClrMapping/>
+  </p:clrMapOvr>
+</p:sld>
+</file>
+
+<file path=ppt/slides/slide6.xml><?xml version="1.0" encoding="utf-8"?>
+<p:sld xmlns:a="http://schemas.openxmlformats.org/drawingml/2006/main" xmlns:r="http://schemas.openxmlformats.org/officeDocument/2006/relationships" xmlns:p="http://schemas.openxmlformats.org/presentationml/2006/main">
+  <p:cSld>
+    <p:spTree>
+      <p:nvGrpSpPr>
+        <p:cNvPr id="1" name=""/>
+        <p:cNvGrpSpPr/>
+        <p:nvPr/>
+      </p:nvGrpSpPr>
+      <p:grpSpPr>
+        <a:xfrm>
+          <a:off x="0" y="0"/>
+          <a:ext cx="0" cy="0"/>
+          <a:chOff x="0" y="0"/>
+          <a:chExt cx="0" cy="0"/>
+        </a:xfrm>
+      </p:grpSpPr>
+      <p:sp>
+        <p:nvSpPr>
+          <p:cNvPr id="2" name="Title 1">
+            <a:extLst>
+              <a:ext uri="{FF2B5EF4-FFF2-40B4-BE49-F238E27FC236}">
                 <a16:creationId xmlns:a16="http://schemas.microsoft.com/office/drawing/2014/main" id="{E4138571-4FA8-43B5-855A-D848E87EB4AE}"/>
               </a:ext>
             </a:extLst>
@@ -9545,7 +10645,7 @@
                   <a:schemeClr val="bg1"/>
                 </a:solidFill>
               </a:rPr>
-              <a:t>It is a category that focus a value or feature an application needs.</a:t>
+              <a:t>It is a category that focus a value or feature an application need.</a:t>
             </a:r>
           </a:p>
           <a:p>
@@ -9556,30 +10656,49 @@
                   <a:schemeClr val="bg1"/>
                 </a:solidFill>
               </a:rPr>
-              <a:t>It can be used to share data through many components at once</a:t>
+              <a:t>It can be used:</a:t>
+            </a:r>
+          </a:p>
+          <a:p>
+            <a:pPr lvl="2"/>
+            <a:r>
+              <a:rPr lang="en-US" dirty="0">
+                <a:solidFill>
+                  <a:schemeClr val="bg1"/>
+                </a:solidFill>
+              </a:rPr>
+              <a:t>to share data through many components at once.</a:t>
+            </a:r>
+          </a:p>
+          <a:p>
+            <a:pPr lvl="2"/>
+            <a:r>
+              <a:rPr lang="en-US" dirty="0">
+                <a:solidFill>
+                  <a:schemeClr val="bg1"/>
+                </a:solidFill>
+              </a:rPr>
+              <a:t>as a backend in angular to test code.</a:t>
+            </a:r>
+          </a:p>
+          <a:p>
+            <a:pPr lvl="2"/>
+            <a:r>
+              <a:rPr lang="en-US" dirty="0">
+                <a:solidFill>
+                  <a:schemeClr val="bg1"/>
+                </a:solidFill>
+              </a:rPr>
+              <a:t>to connect to a database.</a:t>
             </a:r>
           </a:p>
           <a:p>
             <a:pPr lvl="1"/>
-            <a:r>
-              <a:rPr lang="en-US" dirty="0">
-                <a:solidFill>
-                  <a:schemeClr val="bg1"/>
-                </a:solidFill>
-              </a:rPr>
-              <a:t>It can be used as a backend in angular to test code.</a:t>
-            </a:r>
-          </a:p>
-          <a:p>
-            <a:pPr lvl="1"/>
-            <a:r>
-              <a:rPr lang="en-US" dirty="0">
-                <a:solidFill>
-                  <a:schemeClr val="bg1"/>
-                </a:solidFill>
-              </a:rPr>
-              <a:t>It can be used to connect to a database.</a:t>
-            </a:r>
+            <a:endParaRPr lang="en-US" dirty="0">
+              <a:solidFill>
+                <a:schemeClr val="bg1"/>
+              </a:solidFill>
+            </a:endParaRPr>
           </a:p>
         </p:txBody>
       </p:sp>
@@ -9596,7 +10715,7 @@
 </p:sld>
 </file>
 
-<file path=ppt/slides/slide5.xml><?xml version="1.0" encoding="utf-8"?>
+<file path=ppt/slides/slide7.xml><?xml version="1.0" encoding="utf-8"?>
 <p:sld xmlns:a="http://schemas.openxmlformats.org/drawingml/2006/main" xmlns:r="http://schemas.openxmlformats.org/officeDocument/2006/relationships" xmlns:p="http://schemas.openxmlformats.org/presentationml/2006/main">
   <p:cSld>
     <p:spTree>
@@ -10534,7 +11653,7 @@
 </p:sld>
 </file>
 
-<file path=ppt/slides/slide6.xml><?xml version="1.0" encoding="utf-8"?>
+<file path=ppt/slides/slide8.xml><?xml version="1.0" encoding="utf-8"?>
 <p:sld xmlns:a="http://schemas.openxmlformats.org/drawingml/2006/main" xmlns:r="http://schemas.openxmlformats.org/officeDocument/2006/relationships" xmlns:p="http://schemas.openxmlformats.org/presentationml/2006/main">
   <p:cSld>
     <p:bg>
@@ -10934,7 +12053,7 @@
 </p:sld>
 </file>
 
-<file path=ppt/slides/slide7.xml><?xml version="1.0" encoding="utf-8"?>
+<file path=ppt/slides/slide9.xml><?xml version="1.0" encoding="utf-8"?>
 <p:sld xmlns:a="http://schemas.openxmlformats.org/drawingml/2006/main" xmlns:r="http://schemas.openxmlformats.org/officeDocument/2006/relationships" xmlns:p="http://schemas.openxmlformats.org/presentationml/2006/main">
   <p:cSld>
     <p:spTree>
@@ -11153,759 +12272,6 @@
     <p:extLst>
       <p:ext uri="{BB962C8B-B14F-4D97-AF65-F5344CB8AC3E}">
         <p14:creationId xmlns:p14="http://schemas.microsoft.com/office/powerpoint/2010/main" val="213641227"/>
-      </p:ext>
-    </p:extLst>
-  </p:cSld>
-  <p:clrMapOvr>
-    <a:masterClrMapping/>
-  </p:clrMapOvr>
-</p:sld>
-</file>
-
-<file path=ppt/slides/slide8.xml><?xml version="1.0" encoding="utf-8"?>
-<p:sld xmlns:a="http://schemas.openxmlformats.org/drawingml/2006/main" xmlns:r="http://schemas.openxmlformats.org/officeDocument/2006/relationships" xmlns:p="http://schemas.openxmlformats.org/presentationml/2006/main">
-  <p:cSld>
-    <p:spTree>
-      <p:nvGrpSpPr>
-        <p:cNvPr id="1" name=""/>
-        <p:cNvGrpSpPr/>
-        <p:nvPr/>
-      </p:nvGrpSpPr>
-      <p:grpSpPr>
-        <a:xfrm>
-          <a:off x="0" y="0"/>
-          <a:ext cx="0" cy="0"/>
-          <a:chOff x="0" y="0"/>
-          <a:chExt cx="0" cy="0"/>
-        </a:xfrm>
-      </p:grpSpPr>
-      <p:sp>
-        <p:nvSpPr>
-          <p:cNvPr id="2" name="Title 1">
-            <a:extLst>
-              <a:ext uri="{FF2B5EF4-FFF2-40B4-BE49-F238E27FC236}">
-                <a16:creationId xmlns:a16="http://schemas.microsoft.com/office/drawing/2014/main" id="{F751196A-8E31-494D-85A9-716F5A30ED91}"/>
-              </a:ext>
-            </a:extLst>
-          </p:cNvPr>
-          <p:cNvSpPr>
-            <a:spLocks noGrp="1"/>
-          </p:cNvSpPr>
-          <p:nvPr>
-            <p:ph type="title"/>
-          </p:nvPr>
-        </p:nvSpPr>
-        <p:spPr/>
-        <p:txBody>
-          <a:bodyPr/>
-          <a:lstStyle/>
-          <a:p>
-            <a:pPr algn="ctr"/>
-            <a:r>
-              <a:rPr lang="en-US" dirty="0"/>
-              <a:t>Data Folder</a:t>
-            </a:r>
-          </a:p>
-        </p:txBody>
-      </p:sp>
-      <p:sp>
-        <p:nvSpPr>
-          <p:cNvPr id="3" name="Content Placeholder 2">
-            <a:extLst>
-              <a:ext uri="{FF2B5EF4-FFF2-40B4-BE49-F238E27FC236}">
-                <a16:creationId xmlns:a16="http://schemas.microsoft.com/office/drawing/2014/main" id="{2E7F25AD-BB91-4FC0-A387-8A0A6DD78F15}"/>
-              </a:ext>
-            </a:extLst>
-          </p:cNvPr>
-          <p:cNvSpPr>
-            <a:spLocks noGrp="1"/>
-          </p:cNvSpPr>
-          <p:nvPr>
-            <p:ph idx="1"/>
-          </p:nvPr>
-        </p:nvSpPr>
-        <p:spPr>
-          <a:xfrm>
-            <a:off x="221943" y="2104008"/>
-            <a:ext cx="11727402" cy="4753992"/>
-          </a:xfrm>
-        </p:spPr>
-        <p:txBody>
-          <a:bodyPr>
-            <a:normAutofit fontScale="92500" lnSpcReduction="20000"/>
-          </a:bodyPr>
-          <a:lstStyle/>
-          <a:p>
-            <a:r>
-              <a:rPr lang="en-US" dirty="0">
-                <a:solidFill>
-                  <a:schemeClr val="bg1"/>
-                </a:solidFill>
-              </a:rPr>
-              <a:t>Under </a:t>
-            </a:r>
-            <a:r>
-              <a:rPr lang="en-US" b="1" i="1" dirty="0">
-                <a:solidFill>
-                  <a:schemeClr val="bg1"/>
-                </a:solidFill>
-              </a:rPr>
-              <a:t>assets</a:t>
-            </a:r>
-            <a:r>
-              <a:rPr lang="en-US" b="1" dirty="0">
-                <a:solidFill>
-                  <a:schemeClr val="bg1"/>
-                </a:solidFill>
-              </a:rPr>
-              <a:t> </a:t>
-            </a:r>
-            <a:r>
-              <a:rPr lang="en-US" dirty="0">
-                <a:solidFill>
-                  <a:schemeClr val="bg1"/>
-                </a:solidFill>
-              </a:rPr>
-              <a:t>make a </a:t>
-            </a:r>
-            <a:r>
-              <a:rPr lang="en-US" b="1" dirty="0">
-                <a:solidFill>
-                  <a:srgbClr val="FFFF00"/>
-                </a:solidFill>
-                <a:highlight>
-                  <a:srgbClr val="000080"/>
-                </a:highlight>
-              </a:rPr>
-              <a:t>data</a:t>
-            </a:r>
-            <a:r>
-              <a:rPr lang="en-US" dirty="0">
-                <a:solidFill>
-                  <a:schemeClr val="bg1"/>
-                </a:solidFill>
-              </a:rPr>
-              <a:t> folder and make a json file named </a:t>
-            </a:r>
-            <a:r>
-              <a:rPr lang="en-US" b="1" i="1" dirty="0" err="1">
-                <a:solidFill>
-                  <a:srgbClr val="FFFF00"/>
-                </a:solidFill>
-                <a:highlight>
-                  <a:srgbClr val="000080"/>
-                </a:highlight>
-              </a:rPr>
-              <a:t>students.json</a:t>
-            </a:r>
-            <a:endParaRPr lang="en-US" b="1" i="1" dirty="0">
-              <a:solidFill>
-                <a:srgbClr val="FFFF00"/>
-              </a:solidFill>
-              <a:highlight>
-                <a:srgbClr val="000080"/>
-              </a:highlight>
-            </a:endParaRPr>
-          </a:p>
-          <a:p>
-            <a:r>
-              <a:rPr lang="en-US" dirty="0">
-                <a:solidFill>
-                  <a:schemeClr val="bg1"/>
-                </a:solidFill>
-              </a:rPr>
-              <a:t>After that copy and paste the data below and delete the </a:t>
-            </a:r>
-            <a:br>
-              <a:rPr lang="en-US" dirty="0">
-                <a:solidFill>
-                  <a:schemeClr val="bg1"/>
-                </a:solidFill>
-              </a:rPr>
-            </a:br>
-            <a:r>
-              <a:rPr lang="en-US" dirty="0">
-                <a:solidFill>
-                  <a:schemeClr val="bg1"/>
-                </a:solidFill>
-              </a:rPr>
-              <a:t>ones from student-list &amp; student-details</a:t>
-            </a:r>
-          </a:p>
-          <a:p>
-            <a:pPr marL="0" indent="0">
-              <a:buNone/>
-            </a:pPr>
-            <a:r>
-              <a:rPr lang="en-US" dirty="0">
-                <a:solidFill>
-                  <a:schemeClr val="bg1"/>
-                </a:solidFill>
-              </a:rPr>
-              <a:t>[</a:t>
-            </a:r>
-          </a:p>
-          <a:p>
-            <a:pPr marL="0" indent="0">
-              <a:buNone/>
-            </a:pPr>
-            <a:r>
-              <a:rPr lang="en-US" dirty="0">
-                <a:solidFill>
-                  <a:schemeClr val="bg1"/>
-                </a:solidFill>
-              </a:rPr>
-              <a:t>  {"id": 1, "name": "Chris", "age": 21},</a:t>
-            </a:r>
-          </a:p>
-          <a:p>
-            <a:pPr marL="0" indent="0">
-              <a:buNone/>
-            </a:pPr>
-            <a:r>
-              <a:rPr lang="en-US" dirty="0">
-                <a:solidFill>
-                  <a:schemeClr val="bg1"/>
-                </a:solidFill>
-              </a:rPr>
-              <a:t>  {"id": 2, "name": "Denzel", "age": 21},</a:t>
-            </a:r>
-          </a:p>
-          <a:p>
-            <a:pPr marL="0" indent="0">
-              <a:buNone/>
-            </a:pPr>
-            <a:r>
-              <a:rPr lang="en-US" dirty="0">
-                <a:solidFill>
-                  <a:schemeClr val="bg1"/>
-                </a:solidFill>
-              </a:rPr>
-              <a:t>  {"id": 3, "name": "David", "age": 21},</a:t>
-            </a:r>
-          </a:p>
-          <a:p>
-            <a:pPr marL="0" indent="0">
-              <a:buNone/>
-            </a:pPr>
-            <a:r>
-              <a:rPr lang="en-US" dirty="0">
-                <a:solidFill>
-                  <a:schemeClr val="bg1"/>
-                </a:solidFill>
-              </a:rPr>
-              <a:t>  {"id": 4, "name": "Danielle", "age": 21},</a:t>
-            </a:r>
-          </a:p>
-          <a:p>
-            <a:pPr marL="0" indent="0">
-              <a:buNone/>
-            </a:pPr>
-            <a:r>
-              <a:rPr lang="en-US" dirty="0">
-                <a:solidFill>
-                  <a:schemeClr val="bg1"/>
-                </a:solidFill>
-              </a:rPr>
-              <a:t>  {"id": 5, "name": "Josh", "age": 21},</a:t>
-            </a:r>
-          </a:p>
-          <a:p>
-            <a:pPr marL="0" indent="0">
-              <a:buNone/>
-            </a:pPr>
-            <a:r>
-              <a:rPr lang="en-US" dirty="0">
-                <a:solidFill>
-                  <a:schemeClr val="bg1"/>
-                </a:solidFill>
-              </a:rPr>
-              <a:t>  {"id": 6, "name": "Anne", "age": 21},</a:t>
-            </a:r>
-          </a:p>
-          <a:p>
-            <a:pPr marL="0" indent="0">
-              <a:buNone/>
-            </a:pPr>
-            <a:r>
-              <a:rPr lang="en-US" dirty="0">
-                <a:solidFill>
-                  <a:schemeClr val="bg1"/>
-                </a:solidFill>
-              </a:rPr>
-              <a:t>  {"id": 7, "name": "Anca", "age": 21},</a:t>
-            </a:r>
-          </a:p>
-          <a:p>
-            <a:pPr marL="0" indent="0">
-              <a:buNone/>
-            </a:pPr>
-            <a:r>
-              <a:rPr lang="en-US" dirty="0">
-                <a:solidFill>
-                  <a:schemeClr val="bg1"/>
-                </a:solidFill>
-              </a:rPr>
-              <a:t>  {"id": 8, "name": "John", "age": 21}</a:t>
-            </a:r>
-          </a:p>
-          <a:p>
-            <a:pPr marL="0" indent="0">
-              <a:buNone/>
-            </a:pPr>
-            <a:r>
-              <a:rPr lang="en-US" dirty="0">
-                <a:solidFill>
-                  <a:schemeClr val="bg1"/>
-                </a:solidFill>
-              </a:rPr>
-              <a:t>]</a:t>
-            </a:r>
-          </a:p>
-          <a:p>
-            <a:pPr marL="0" indent="0">
-              <a:buNone/>
-            </a:pPr>
-            <a:endParaRPr lang="en-US" dirty="0">
-              <a:solidFill>
-                <a:schemeClr val="bg1"/>
-              </a:solidFill>
-            </a:endParaRPr>
-          </a:p>
-        </p:txBody>
-      </p:sp>
-      <p:pic>
-        <p:nvPicPr>
-          <p:cNvPr id="5" name="Picture 4">
-            <a:extLst>
-              <a:ext uri="{FF2B5EF4-FFF2-40B4-BE49-F238E27FC236}">
-                <a16:creationId xmlns:a16="http://schemas.microsoft.com/office/drawing/2014/main" id="{31A942C9-6B71-43E4-9E7C-21CC6E9E5DE6}"/>
-              </a:ext>
-            </a:extLst>
-          </p:cNvPr>
-          <p:cNvPicPr>
-            <a:picLocks noChangeAspect="1"/>
-          </p:cNvPicPr>
-          <p:nvPr/>
-        </p:nvPicPr>
-        <p:blipFill>
-          <a:blip r:embed="rId2"/>
-          <a:stretch>
-            <a:fillRect/>
-          </a:stretch>
-        </p:blipFill>
-        <p:spPr>
-          <a:xfrm>
-            <a:off x="7985972" y="2986644"/>
-            <a:ext cx="3319463" cy="3283577"/>
-          </a:xfrm>
-          <a:prstGeom prst="rect">
-            <a:avLst/>
-          </a:prstGeom>
-        </p:spPr>
-      </p:pic>
-    </p:spTree>
-    <p:extLst>
-      <p:ext uri="{BB962C8B-B14F-4D97-AF65-F5344CB8AC3E}">
-        <p14:creationId xmlns:p14="http://schemas.microsoft.com/office/powerpoint/2010/main" val="3620321045"/>
-      </p:ext>
-    </p:extLst>
-  </p:cSld>
-  <p:clrMapOvr>
-    <a:masterClrMapping/>
-  </p:clrMapOvr>
-</p:sld>
-</file>
-
-<file path=ppt/slides/slide9.xml><?xml version="1.0" encoding="utf-8"?>
-<p:sld xmlns:a="http://schemas.openxmlformats.org/drawingml/2006/main" xmlns:r="http://schemas.openxmlformats.org/officeDocument/2006/relationships" xmlns:p="http://schemas.openxmlformats.org/presentationml/2006/main">
-  <p:cSld>
-    <p:bg>
-      <p:bgPr>
-        <a:gradFill rotWithShape="1">
-          <a:gsLst>
-            <a:gs pos="0">
-              <a:schemeClr val="bg2">
-                <a:tint val="96000"/>
-                <a:shade val="100000"/>
-                <a:hueMod val="270000"/>
-                <a:satMod val="200000"/>
-                <a:lumMod val="128000"/>
-              </a:schemeClr>
-            </a:gs>
-            <a:gs pos="50000">
-              <a:schemeClr val="bg2">
-                <a:shade val="100000"/>
-                <a:hueMod val="100000"/>
-                <a:satMod val="110000"/>
-                <a:lumMod val="130000"/>
-              </a:schemeClr>
-            </a:gs>
-            <a:gs pos="100000">
-              <a:schemeClr val="bg2">
-                <a:shade val="78000"/>
-                <a:hueMod val="44000"/>
-                <a:satMod val="200000"/>
-                <a:lumMod val="69000"/>
-              </a:schemeClr>
-            </a:gs>
-          </a:gsLst>
-          <a:lin ang="2520000" scaled="0"/>
-        </a:gradFill>
-        <a:effectLst/>
-      </p:bgPr>
-    </p:bg>
-    <p:spTree>
-      <p:nvGrpSpPr>
-        <p:cNvPr id="1" name=""/>
-        <p:cNvGrpSpPr/>
-        <p:nvPr/>
-      </p:nvGrpSpPr>
-      <p:grpSpPr>
-        <a:xfrm>
-          <a:off x="0" y="0"/>
-          <a:ext cx="0" cy="0"/>
-          <a:chOff x="0" y="0"/>
-          <a:chExt cx="0" cy="0"/>
-        </a:xfrm>
-      </p:grpSpPr>
-      <p:sp useBgFill="1">
-        <p:nvSpPr>
-          <p:cNvPr id="11" name="Rectangle 10">
-            <a:extLst>
-              <a:ext uri="{FF2B5EF4-FFF2-40B4-BE49-F238E27FC236}">
-                <a16:creationId xmlns:a16="http://schemas.microsoft.com/office/drawing/2014/main" id="{C610D2AE-07EF-436A-9755-AA8DF4B933A4}"/>
-              </a:ext>
-              <a:ext uri="{C183D7F6-B498-43B3-948B-1728B52AA6E4}">
-                <adec:decorative xmlns:adec="http://schemas.microsoft.com/office/drawing/2017/decorative" val="1"/>
-              </a:ext>
-            </a:extLst>
-          </p:cNvPr>
-          <p:cNvSpPr>
-            <a:spLocks noGrp="1" noRot="1" noChangeAspect="1" noMove="1" noResize="1" noEditPoints="1" noAdjustHandles="1" noChangeArrowheads="1" noChangeShapeType="1" noTextEdit="1"/>
-          </p:cNvSpPr>
-          <p:nvPr>
-            <p:extLst>
-              <p:ext uri="{386F3935-93C4-4BCD-93E2-E3B085C9AB24}">
-                <p16:designElem xmlns:p16="http://schemas.microsoft.com/office/powerpoint/2015/main" val="1"/>
-              </p:ext>
-            </p:extLst>
-          </p:nvPr>
-        </p:nvSpPr>
-        <p:spPr>
-          <a:xfrm>
-            <a:off x="0" y="-1"/>
-            <a:ext cx="12188824" cy="6858001"/>
-          </a:xfrm>
-          <a:prstGeom prst="rect">
-            <a:avLst/>
-          </a:prstGeom>
-          <a:ln>
-            <a:noFill/>
-          </a:ln>
-        </p:spPr>
-        <p:style>
-          <a:lnRef idx="2">
-            <a:schemeClr val="accent1">
-              <a:shade val="50000"/>
-            </a:schemeClr>
-          </a:lnRef>
-          <a:fillRef idx="1">
-            <a:schemeClr val="accent1"/>
-          </a:fillRef>
-          <a:effectRef idx="0">
-            <a:schemeClr val="accent1"/>
-          </a:effectRef>
-          <a:fontRef idx="minor">
-            <a:schemeClr val="lt1"/>
-          </a:fontRef>
-        </p:style>
-        <p:txBody>
-          <a:bodyPr rtlCol="0" anchor="ctr"/>
-          <a:lstStyle/>
-          <a:p>
-            <a:pPr algn="ctr"/>
-            <a:endParaRPr lang="en-US"/>
-          </a:p>
-        </p:txBody>
-      </p:sp>
-      <p:pic>
-        <p:nvPicPr>
-          <p:cNvPr id="13" name="Picture 12">
-            <a:extLst>
-              <a:ext uri="{FF2B5EF4-FFF2-40B4-BE49-F238E27FC236}">
-                <a16:creationId xmlns:a16="http://schemas.microsoft.com/office/drawing/2014/main" id="{6CACDD17-9043-46DF-882D-420365B79C18}"/>
-              </a:ext>
-              <a:ext uri="{C183D7F6-B498-43B3-948B-1728B52AA6E4}">
-                <adec:decorative xmlns:adec="http://schemas.microsoft.com/office/drawing/2017/decorative" val="1"/>
-              </a:ext>
-            </a:extLst>
-          </p:cNvPr>
-          <p:cNvPicPr>
-            <a:picLocks noGrp="1" noRot="1" noChangeAspect="1" noMove="1" noResize="1" noEditPoints="1" noAdjustHandles="1" noChangeArrowheads="1" noChangeShapeType="1" noCrop="1"/>
-          </p:cNvPicPr>
-          <p:nvPr>
-            <p:extLst>
-              <p:ext uri="{386F3935-93C4-4BCD-93E2-E3B085C9AB24}">
-                <p16:designElem xmlns:p16="http://schemas.microsoft.com/office/powerpoint/2015/main" val="1"/>
-              </p:ext>
-            </p:extLst>
-          </p:nvPr>
-        </p:nvPicPr>
-        <p:blipFill>
-          <a:blip r:embed="rId2">
-            <a:alphaModFix amt="10000"/>
-            <a:extLst>
-              <a:ext uri="{28A0092B-C50C-407E-A947-70E740481C1C}">
-                <a14:useLocalDpi xmlns:a14="http://schemas.microsoft.com/office/drawing/2010/main" val="0"/>
-              </a:ext>
-            </a:extLst>
-          </a:blip>
-          <a:stretch>
-            <a:fillRect/>
-          </a:stretch>
-        </p:blipFill>
-        <p:spPr>
-          <a:xfrm>
-            <a:off x="0" y="0"/>
-            <a:ext cx="12192000" cy="6858000"/>
-          </a:xfrm>
-          <a:prstGeom prst="rect">
-            <a:avLst/>
-          </a:prstGeom>
-        </p:spPr>
-      </p:pic>
-      <p:sp>
-        <p:nvSpPr>
-          <p:cNvPr id="15" name="Rectangle 14">
-            <a:extLst>
-              <a:ext uri="{FF2B5EF4-FFF2-40B4-BE49-F238E27FC236}">
-                <a16:creationId xmlns:a16="http://schemas.microsoft.com/office/drawing/2014/main" id="{CF2D8AD5-434A-4C0E-9F5B-C1AFD645F364}"/>
-              </a:ext>
-              <a:ext uri="{C183D7F6-B498-43B3-948B-1728B52AA6E4}">
-                <adec:decorative xmlns:adec="http://schemas.microsoft.com/office/drawing/2017/decorative" val="1"/>
-              </a:ext>
-            </a:extLst>
-          </p:cNvPr>
-          <p:cNvSpPr>
-            <a:spLocks noGrp="1" noRot="1" noChangeAspect="1" noMove="1" noResize="1" noEditPoints="1" noAdjustHandles="1" noChangeArrowheads="1" noChangeShapeType="1" noTextEdit="1"/>
-          </p:cNvSpPr>
-          <p:nvPr>
-            <p:extLst>
-              <p:ext uri="{386F3935-93C4-4BCD-93E2-E3B085C9AB24}">
-                <p16:designElem xmlns:p16="http://schemas.microsoft.com/office/powerpoint/2015/main" val="1"/>
-              </p:ext>
-            </p:extLst>
-          </p:nvPr>
-        </p:nvSpPr>
-        <p:spPr bwMode="grayWhite">
-          <a:xfrm>
-            <a:off x="2" y="609600"/>
-            <a:ext cx="4959094" cy="1368198"/>
-          </a:xfrm>
-          <a:prstGeom prst="rect">
-            <a:avLst/>
-          </a:prstGeom>
-          <a:solidFill>
-            <a:schemeClr val="bg1">
-              <a:lumMod val="85000"/>
-              <a:lumOff val="15000"/>
-            </a:schemeClr>
-          </a:solidFill>
-          <a:ln>
-            <a:noFill/>
-          </a:ln>
-        </p:spPr>
-        <p:style>
-          <a:lnRef idx="2">
-            <a:schemeClr val="accent1">
-              <a:shade val="50000"/>
-            </a:schemeClr>
-          </a:lnRef>
-          <a:fillRef idx="1">
-            <a:schemeClr val="accent1"/>
-          </a:fillRef>
-          <a:effectRef idx="0">
-            <a:schemeClr val="accent1"/>
-          </a:effectRef>
-          <a:fontRef idx="minor">
-            <a:schemeClr val="lt1"/>
-          </a:fontRef>
-        </p:style>
-      </p:sp>
-      <p:sp>
-        <p:nvSpPr>
-          <p:cNvPr id="2" name="Title 1">
-            <a:extLst>
-              <a:ext uri="{FF2B5EF4-FFF2-40B4-BE49-F238E27FC236}">
-                <a16:creationId xmlns:a16="http://schemas.microsoft.com/office/drawing/2014/main" id="{06EA0C3B-1589-453D-B8D5-58025300A087}"/>
-              </a:ext>
-            </a:extLst>
-          </p:cNvPr>
-          <p:cNvSpPr>
-            <a:spLocks noGrp="1"/>
-          </p:cNvSpPr>
-          <p:nvPr>
-            <p:ph type="title"/>
-          </p:nvPr>
-        </p:nvSpPr>
-        <p:spPr>
-          <a:xfrm>
-            <a:off x="680321" y="753228"/>
-            <a:ext cx="4136123" cy="1080938"/>
-          </a:xfrm>
-        </p:spPr>
-        <p:txBody>
-          <a:bodyPr>
-            <a:normAutofit/>
-          </a:bodyPr>
-          <a:lstStyle/>
-          <a:p>
-            <a:r>
-              <a:rPr lang="en-US" sz="2400"/>
-              <a:t>Make a URL</a:t>
-            </a:r>
-          </a:p>
-        </p:txBody>
-      </p:sp>
-      <p:pic>
-        <p:nvPicPr>
-          <p:cNvPr id="17" name="Picture 16">
-            <a:extLst>
-              <a:ext uri="{FF2B5EF4-FFF2-40B4-BE49-F238E27FC236}">
-                <a16:creationId xmlns:a16="http://schemas.microsoft.com/office/drawing/2014/main" id="{E92B246D-47CC-40F8-8DE7-B65D409E945E}"/>
-              </a:ext>
-              <a:ext uri="{C183D7F6-B498-43B3-948B-1728B52AA6E4}">
-                <adec:decorative xmlns:adec="http://schemas.microsoft.com/office/drawing/2017/decorative" val="1"/>
-              </a:ext>
-            </a:extLst>
-          </p:cNvPr>
-          <p:cNvPicPr>
-            <a:picLocks noGrp="1" noRot="1" noChangeAspect="1" noMove="1" noResize="1" noEditPoints="1" noAdjustHandles="1" noChangeArrowheads="1" noChangeShapeType="1" noCrop="1"/>
-          </p:cNvPicPr>
-          <p:nvPr>
-            <p:extLst>
-              <p:ext uri="{386F3935-93C4-4BCD-93E2-E3B085C9AB24}">
-                <p16:designElem xmlns:p16="http://schemas.microsoft.com/office/powerpoint/2015/main" val="1"/>
-              </p:ext>
-            </p:extLst>
-          </p:nvPr>
-        </p:nvPicPr>
-        <p:blipFill>
-          <a:blip r:embed="rId3">
-            <a:extLst>
-              <a:ext uri="{28A0092B-C50C-407E-A947-70E740481C1C}">
-                <a14:useLocalDpi xmlns:a14="http://schemas.microsoft.com/office/drawing/2010/main" val="0"/>
-              </a:ext>
-            </a:extLst>
-          </a:blip>
-          <a:stretch>
-            <a:fillRect/>
-          </a:stretch>
-        </p:blipFill>
-        <p:spPr>
-          <a:xfrm>
-            <a:off x="2" y="1970241"/>
-            <a:ext cx="4956048" cy="199787"/>
-          </a:xfrm>
-          <a:prstGeom prst="rect">
-            <a:avLst/>
-          </a:prstGeom>
-        </p:spPr>
-      </p:pic>
-      <p:sp>
-        <p:nvSpPr>
-          <p:cNvPr id="8" name="Content Placeholder 7">
-            <a:extLst>
-              <a:ext uri="{FF2B5EF4-FFF2-40B4-BE49-F238E27FC236}">
-                <a16:creationId xmlns:a16="http://schemas.microsoft.com/office/drawing/2014/main" id="{8BE97542-765F-425F-BF92-F72E1EC231B4}"/>
-              </a:ext>
-            </a:extLst>
-          </p:cNvPr>
-          <p:cNvSpPr>
-            <a:spLocks noGrp="1"/>
-          </p:cNvSpPr>
-          <p:nvPr>
-            <p:ph idx="1"/>
-          </p:nvPr>
-        </p:nvSpPr>
-        <p:spPr>
-          <a:xfrm>
-            <a:off x="680321" y="2336873"/>
-            <a:ext cx="4136123" cy="3599316"/>
-          </a:xfrm>
-        </p:spPr>
-        <p:txBody>
-          <a:bodyPr>
-            <a:normAutofit/>
-          </a:bodyPr>
-          <a:lstStyle/>
-          <a:p>
-            <a:r>
-              <a:rPr lang="en-US" sz="1800" dirty="0"/>
-              <a:t>Making this </a:t>
-            </a:r>
-            <a:r>
-              <a:rPr lang="en-US" sz="1800" dirty="0" err="1"/>
-              <a:t>url</a:t>
-            </a:r>
-            <a:r>
-              <a:rPr lang="en-US" sz="1800" dirty="0"/>
-              <a:t> will direct it to the json file in the data folder.</a:t>
-            </a:r>
-          </a:p>
-          <a:p>
-            <a:r>
-              <a:rPr lang="en-US" sz="1800" dirty="0"/>
-              <a:t>If there is a URL that actually works replace the URL and the code should still work.</a:t>
-            </a:r>
-          </a:p>
-        </p:txBody>
-      </p:sp>
-      <p:pic>
-        <p:nvPicPr>
-          <p:cNvPr id="4" name="Content Placeholder 3">
-            <a:extLst>
-              <a:ext uri="{FF2B5EF4-FFF2-40B4-BE49-F238E27FC236}">
-                <a16:creationId xmlns:a16="http://schemas.microsoft.com/office/drawing/2014/main" id="{87682AE0-195B-4159-B1B4-EA143867AE61}"/>
-              </a:ext>
-            </a:extLst>
-          </p:cNvPr>
-          <p:cNvPicPr>
-            <a:picLocks noChangeAspect="1"/>
-          </p:cNvPicPr>
-          <p:nvPr/>
-        </p:nvPicPr>
-        <p:blipFill>
-          <a:blip r:embed="rId4"/>
-          <a:stretch>
-            <a:fillRect/>
-          </a:stretch>
-        </p:blipFill>
-        <p:spPr>
-          <a:xfrm>
-            <a:off x="5276090" y="1034327"/>
-            <a:ext cx="6303134" cy="4758865"/>
-          </a:xfrm>
-          <a:prstGeom prst="rect">
-            <a:avLst/>
-          </a:prstGeom>
-          <a:ln>
-            <a:noFill/>
-          </a:ln>
-          <a:effectLst>
-            <a:outerShdw blurRad="76200" dist="63500" dir="5040000" algn="tl" rotWithShape="0">
-              <a:srgbClr val="000000">
-                <a:alpha val="41000"/>
-              </a:srgbClr>
-            </a:outerShdw>
-          </a:effectLst>
-        </p:spPr>
-      </p:pic>
-    </p:spTree>
-    <p:extLst>
-      <p:ext uri="{BB962C8B-B14F-4D97-AF65-F5344CB8AC3E}">
-        <p14:creationId xmlns:p14="http://schemas.microsoft.com/office/powerpoint/2010/main" val="2602386479"/>
       </p:ext>
     </p:extLst>
   </p:cSld>

--- a/DemoPresention/Angular Services.pptx
+++ b/DemoPresention/Angular Services.pptx
@@ -9889,21 +9889,43 @@
                   <a:schemeClr val="bg1"/>
                 </a:solidFill>
               </a:rPr>
-              <a:t> installs all necessary </a:t>
-            </a:r>
-            <a:r>
-              <a:rPr lang="en-US" sz="1200" dirty="0" err="1">
+              <a:t> installs all necessary dependencies</a:t>
+            </a:r>
+          </a:p>
+          <a:p>
+            <a:pPr marL="800100" lvl="1" indent="-342900"/>
+            <a:r>
+              <a:rPr lang="en-US" sz="1400" dirty="0">
                 <a:solidFill>
                   <a:schemeClr val="bg1"/>
                 </a:solidFill>
               </a:rPr>
-              <a:t>dependancies</a:t>
-            </a:r>
-            <a:endParaRPr lang="en-US" sz="1200" dirty="0">
-              <a:solidFill>
-                <a:schemeClr val="bg1"/>
-              </a:solidFill>
-            </a:endParaRPr>
+              <a:t>Type </a:t>
+            </a:r>
+            <a:r>
+              <a:rPr lang="en-US" sz="1600" b="1" i="1" dirty="0">
+                <a:solidFill>
+                  <a:schemeClr val="bg1"/>
+                </a:solidFill>
+              </a:rPr>
+              <a:t>ng version</a:t>
+            </a:r>
+            <a:r>
+              <a:rPr lang="en-US" sz="1600" dirty="0">
+                <a:solidFill>
+                  <a:schemeClr val="bg1"/>
+                </a:solidFill>
+              </a:rPr>
+              <a:t> </a:t>
+            </a:r>
+            <a:r>
+              <a:rPr lang="en-US" sz="1400" dirty="0">
+                <a:solidFill>
+                  <a:schemeClr val="bg1"/>
+                </a:solidFill>
+              </a:rPr>
+              <a:t>to check the version of Angular CLI</a:t>
+            </a:r>
           </a:p>
           <a:p>
             <a:pPr marL="800100" lvl="1" indent="-342900"/>
@@ -9913,7 +9935,15 @@
                   <a:schemeClr val="bg1"/>
                 </a:solidFill>
               </a:rPr>
-              <a:t>Type </a:t>
+              <a:t>If problems still occur, use </a:t>
+            </a:r>
+            <a:r>
+              <a:rPr lang="en-US" sz="1600" b="1" i="1" dirty="0" err="1">
+                <a:solidFill>
+                  <a:schemeClr val="bg1"/>
+                </a:solidFill>
+              </a:rPr>
+              <a:t>npm</a:t>
             </a:r>
             <a:r>
               <a:rPr lang="en-US" sz="1600" b="1" i="1" dirty="0">
@@ -9921,14 +9951,46 @@
                   <a:schemeClr val="bg1"/>
                 </a:solidFill>
               </a:rPr>
-              <a:t>ng version</a:t>
-            </a:r>
-            <a:r>
-              <a:rPr lang="en-US" sz="1600" dirty="0">
+              <a:t> install </a:t>
+            </a:r>
+            <a:r>
+              <a:rPr lang="en-US" sz="1400" dirty="0">
                 <a:solidFill>
                   <a:schemeClr val="bg1"/>
                 </a:solidFill>
               </a:rPr>
+              <a:t>then </a:t>
+            </a:r>
+            <a:r>
+              <a:rPr lang="en-US" sz="1600" b="1" i="1" dirty="0" err="1">
+                <a:solidFill>
+                  <a:schemeClr val="bg1"/>
+                </a:solidFill>
+              </a:rPr>
+              <a:t>npm</a:t>
+            </a:r>
+            <a:r>
+              <a:rPr lang="en-US" sz="1600" b="1" i="1" dirty="0">
+                <a:solidFill>
+                  <a:schemeClr val="bg1"/>
+                </a:solidFill>
+              </a:rPr>
+              <a:t> install –g </a:t>
+            </a:r>
+            <a:r>
+              <a:rPr lang="en-US" sz="1600" b="1" i="1" dirty="0" err="1">
+                <a:solidFill>
+                  <a:schemeClr val="bg1"/>
+                </a:solidFill>
+              </a:rPr>
+              <a:t>npm</a:t>
+            </a:r>
+            <a:r>
+              <a:rPr lang="en-US" sz="1600" b="1" i="1" dirty="0">
+                <a:solidFill>
+                  <a:schemeClr val="bg1"/>
+                </a:solidFill>
+              </a:rPr>
               <a:t> </a:t>
             </a:r>
             <a:r>
@@ -9937,7 +9999,49 @@
                   <a:schemeClr val="bg1"/>
                 </a:solidFill>
               </a:rPr>
-              <a:t>to check the version of Angular CLI</a:t>
+              <a:t>to </a:t>
+            </a:r>
+            <a:br>
+              <a:rPr lang="en-US" sz="1400" dirty="0">
+                <a:solidFill>
+                  <a:schemeClr val="bg1"/>
+                </a:solidFill>
+              </a:rPr>
+            </a:br>
+            <a:r>
+              <a:rPr lang="en-US" sz="1400" dirty="0">
+                <a:solidFill>
+                  <a:schemeClr val="bg1"/>
+                </a:solidFill>
+              </a:rPr>
+              <a:t>fix any vulnerabilities </a:t>
+            </a:r>
+          </a:p>
+          <a:p>
+            <a:pPr marL="800100" lvl="1" indent="-342900"/>
+            <a:r>
+              <a:rPr lang="en-US" sz="1600" b="1" i="1" dirty="0">
+                <a:solidFill>
+                  <a:schemeClr val="bg1"/>
+                </a:solidFill>
+              </a:rPr>
+              <a:t>n</a:t>
+            </a:r>
+            <a:r>
+              <a:rPr lang="en-US" sz="1600" b="1" i="1">
+                <a:solidFill>
+                  <a:schemeClr val="bg1"/>
+                </a:solidFill>
+              </a:rPr>
+              <a:t>g </a:t>
+            </a:r>
+            <a:r>
+              <a:rPr lang="en-US" sz="1600" b="1" i="1" dirty="0">
+                <a:solidFill>
+                  <a:schemeClr val="bg1"/>
+                </a:solidFill>
+              </a:rPr>
+              <a:t>serve -o</a:t>
             </a:r>
           </a:p>
           <a:p>
